--- a/prototyp 2.pptx
+++ b/prototyp 2.pptx
@@ -6,26 +6,21 @@
   </p:sldMasterIdLst>
   <p:sldIdLst>
     <p:sldId id="256" r:id="rId2"/>
-    <p:sldId id="268" r:id="rId3"/>
-    <p:sldId id="269" r:id="rId4"/>
-    <p:sldId id="270" r:id="rId5"/>
-    <p:sldId id="271" r:id="rId6"/>
-    <p:sldId id="272" r:id="rId7"/>
-    <p:sldId id="280" r:id="rId8"/>
-    <p:sldId id="258" r:id="rId9"/>
-    <p:sldId id="259" r:id="rId10"/>
-    <p:sldId id="260" r:id="rId11"/>
-    <p:sldId id="265" r:id="rId12"/>
-    <p:sldId id="273" r:id="rId13"/>
-    <p:sldId id="274" r:id="rId14"/>
-    <p:sldId id="275" r:id="rId15"/>
-    <p:sldId id="263" r:id="rId16"/>
-    <p:sldId id="276" r:id="rId17"/>
-    <p:sldId id="261" r:id="rId18"/>
-    <p:sldId id="262" r:id="rId19"/>
-    <p:sldId id="284" r:id="rId20"/>
-    <p:sldId id="282" r:id="rId21"/>
-    <p:sldId id="283" r:id="rId22"/>
+    <p:sldId id="280" r:id="rId3"/>
+    <p:sldId id="258" r:id="rId4"/>
+    <p:sldId id="259" r:id="rId5"/>
+    <p:sldId id="260" r:id="rId6"/>
+    <p:sldId id="265" r:id="rId7"/>
+    <p:sldId id="263" r:id="rId8"/>
+    <p:sldId id="276" r:id="rId9"/>
+    <p:sldId id="261" r:id="rId10"/>
+    <p:sldId id="262" r:id="rId11"/>
+    <p:sldId id="284" r:id="rId12"/>
+    <p:sldId id="287" r:id="rId13"/>
+    <p:sldId id="286" r:id="rId14"/>
+    <p:sldId id="282" r:id="rId15"/>
+    <p:sldId id="283" r:id="rId16"/>
+    <p:sldId id="288" r:id="rId17"/>
   </p:sldIdLst>
   <p:sldSz cx="9144000" cy="6858000" type="screen4x3"/>
   <p:notesSz cx="6858000" cy="9144000"/>
@@ -753,7 +748,7 @@
             <a:fld id="{1D8BD707-D9CF-40AE-B4C6-C98DA3205C09}" type="datetimeFigureOut">
               <a:rPr lang="en-US" smtClean="0"/>
               <a:pPr/>
-              <a:t>4/19/2016</a:t>
+              <a:t>5/17/2016</a:t>
             </a:fld>
             <a:endParaRPr lang="en-US"/>
           </a:p>
@@ -951,7 +946,7 @@
             <a:fld id="{1D8BD707-D9CF-40AE-B4C6-C98DA3205C09}" type="datetimeFigureOut">
               <a:rPr lang="en-US" smtClean="0"/>
               <a:pPr/>
-              <a:t>4/19/2016</a:t>
+              <a:t>5/17/2016</a:t>
             </a:fld>
             <a:endParaRPr lang="en-US"/>
           </a:p>
@@ -1138,7 +1133,7 @@
             <a:fld id="{1D8BD707-D9CF-40AE-B4C6-C98DA3205C09}" type="datetimeFigureOut">
               <a:rPr lang="en-US" smtClean="0"/>
               <a:pPr/>
-              <a:t>4/19/2016</a:t>
+              <a:t>5/17/2016</a:t>
             </a:fld>
             <a:endParaRPr lang="en-US"/>
           </a:p>
@@ -1290,7 +1285,7 @@
             <a:fld id="{1D8BD707-D9CF-40AE-B4C6-C98DA3205C09}" type="datetimeFigureOut">
               <a:rPr lang="en-US" smtClean="0"/>
               <a:pPr/>
-              <a:t>4/19/2016</a:t>
+              <a:t>5/17/2016</a:t>
             </a:fld>
             <a:endParaRPr lang="en-US"/>
           </a:p>
@@ -1547,7 +1542,7 @@
             <a:fld id="{1D8BD707-D9CF-40AE-B4C6-C98DA3205C09}" type="datetimeFigureOut">
               <a:rPr lang="en-US" smtClean="0"/>
               <a:pPr/>
-              <a:t>4/19/2016</a:t>
+              <a:t>5/17/2016</a:t>
             </a:fld>
             <a:endParaRPr lang="en-US"/>
           </a:p>
@@ -1958,7 +1953,7 @@
             <a:fld id="{1D8BD707-D9CF-40AE-B4C6-C98DA3205C09}" type="datetimeFigureOut">
               <a:rPr lang="en-US" smtClean="0"/>
               <a:pPr/>
-              <a:t>4/19/2016</a:t>
+              <a:t>5/17/2016</a:t>
             </a:fld>
             <a:endParaRPr lang="en-US"/>
           </a:p>
@@ -2406,7 +2401,7 @@
             <a:fld id="{1D8BD707-D9CF-40AE-B4C6-C98DA3205C09}" type="datetimeFigureOut">
               <a:rPr lang="en-US" smtClean="0"/>
               <a:pPr/>
-              <a:t>4/19/2016</a:t>
+              <a:t>5/17/2016</a:t>
             </a:fld>
             <a:endParaRPr lang="en-US"/>
           </a:p>
@@ -2509,7 +2504,7 @@
             <a:fld id="{1D8BD707-D9CF-40AE-B4C6-C98DA3205C09}" type="datetimeFigureOut">
               <a:rPr lang="en-US" smtClean="0"/>
               <a:pPr/>
-              <a:t>4/19/2016</a:t>
+              <a:t>5/17/2016</a:t>
             </a:fld>
             <a:endParaRPr lang="en-US"/>
           </a:p>
@@ -2632,7 +2627,7 @@
             <a:fld id="{1D8BD707-D9CF-40AE-B4C6-C98DA3205C09}" type="datetimeFigureOut">
               <a:rPr lang="en-US" smtClean="0"/>
               <a:pPr/>
-              <a:t>4/19/2016</a:t>
+              <a:t>5/17/2016</a:t>
             </a:fld>
             <a:endParaRPr lang="en-US"/>
           </a:p>
@@ -2908,7 +2903,7 @@
             <a:fld id="{1D8BD707-D9CF-40AE-B4C6-C98DA3205C09}" type="datetimeFigureOut">
               <a:rPr lang="en-US" smtClean="0"/>
               <a:pPr/>
-              <a:t>4/19/2016</a:t>
+              <a:t>5/17/2016</a:t>
             </a:fld>
             <a:endParaRPr lang="en-US"/>
           </a:p>
@@ -3115,7 +3110,7 @@
             <a:fld id="{1D8BD707-D9CF-40AE-B4C6-C98DA3205C09}" type="datetimeFigureOut">
               <a:rPr lang="en-US" smtClean="0"/>
               <a:pPr/>
-              <a:t>4/19/2016</a:t>
+              <a:t>5/17/2016</a:t>
             </a:fld>
             <a:endParaRPr lang="en-US"/>
           </a:p>
@@ -4226,7 +4221,7 @@
             <a:fld id="{1D8BD707-D9CF-40AE-B4C6-C98DA3205C09}" type="datetimeFigureOut">
               <a:rPr lang="en-US" smtClean="0"/>
               <a:pPr/>
-              <a:t>4/19/2016</a:t>
+              <a:t>5/17/2016</a:t>
             </a:fld>
             <a:endParaRPr lang="en-US"/>
           </a:p>
@@ -4658,7 +4653,11 @@
             </a:br>
             <a:r>
               <a:rPr lang="pl-PL" dirty="0" smtClean="0"/>
-              <a:t>PROTOTYP 1</a:t>
+              <a:t>PROTOTYP </a:t>
+            </a:r>
+            <a:r>
+              <a:rPr lang="pl-PL" dirty="0" smtClean="0"/>
+              <a:t>2</a:t>
             </a:r>
             <a:endParaRPr lang="pl-PL" dirty="0"/>
           </a:p>
@@ -4759,128 +4758,98 @@
           <a:bodyPr/>
           <a:lstStyle/>
           <a:p>
-            <a:pPr marL="624078" indent="-514350">
-              <a:buFont typeface="+mj-lt"/>
-              <a:buAutoNum type="arabicPeriod"/>
-            </a:pPr>
+            <a:r>
+              <a:rPr lang="pl-PL" dirty="0"/>
+              <a:t>Z menu wybieramy zakładkę </a:t>
+            </a:r>
             <a:r>
               <a:rPr lang="pl-PL" dirty="0" smtClean="0"/>
-              <a:t>Wybierz z </a:t>
-            </a:r>
+              <a:t>GLM.</a:t>
+            </a:r>
+          </a:p>
+          <a:p>
             <a:r>
               <a:rPr lang="pl-PL" dirty="0" smtClean="0"/>
-              <a:t>pierwszej od lewej listy (będziemy </a:t>
-            </a:r>
+              <a:t>Z listy opcji wybieramy Run Simulation.</a:t>
+            </a:r>
+          </a:p>
+          <a:p>
             <a:r>
               <a:rPr lang="pl-PL" dirty="0" smtClean="0"/>
-              <a:t>ją nazywać </a:t>
-            </a:r>
+              <a:t>W oknie, które się pojawi wybieramy plik, który chcemy uruchomić w Gridlab-D.</a:t>
+            </a:r>
+            <a:endParaRPr lang="pl-PL" dirty="0"/>
+          </a:p>
+        </p:txBody>
+      </p:sp>
+      <p:sp>
+        <p:nvSpPr>
+          <p:cNvPr id="3" name="Title 2"/>
+          <p:cNvSpPr>
+            <a:spLocks noGrp="1"/>
+          </p:cNvSpPr>
+          <p:nvPr>
+            <p:ph type="title"/>
+          </p:nvPr>
+        </p:nvSpPr>
+        <p:spPr/>
+        <p:txBody>
+          <a:bodyPr/>
+          <a:lstStyle/>
+          <a:p>
             <a:r>
               <a:rPr lang="pl-PL" dirty="0" smtClean="0"/>
-              <a:t>listą 1</a:t>
-            </a:r>
-            <a:r>
-              <a:rPr lang="pl-PL" dirty="0" smtClean="0"/>
-              <a:t>) moduł, z którego obiekt chcesz dodać.</a:t>
-            </a:r>
-          </a:p>
-          <a:p>
-            <a:pPr marL="624078" indent="-514350">
-              <a:buFont typeface="+mj-lt"/>
-              <a:buAutoNum type="arabicPeriod"/>
-            </a:pPr>
-            <a:r>
-              <a:rPr lang="pl-PL" dirty="0" smtClean="0"/>
-              <a:t>Z listy 2 wybierz </a:t>
-            </a:r>
-            <a:r>
-              <a:rPr lang="pl-PL" dirty="0" smtClean="0"/>
-              <a:t>typ obiektu.</a:t>
-            </a:r>
-          </a:p>
-          <a:p>
-            <a:pPr marL="624078" indent="-514350">
-              <a:buFont typeface="+mj-lt"/>
-              <a:buAutoNum type="arabicPeriod"/>
-            </a:pPr>
-            <a:r>
-              <a:rPr lang="pl-PL" dirty="0" smtClean="0"/>
-              <a:t>Naciśnij </a:t>
-            </a:r>
-            <a:r>
-              <a:rPr lang="pl-PL" dirty="0" smtClean="0"/>
-              <a:t>przycisk z symbolem </a:t>
-            </a:r>
-            <a:r>
-              <a:rPr lang="pl-PL" dirty="0" smtClean="0"/>
-              <a:t>„+”, aby dodać obiekt wybranego typu do </a:t>
-            </a:r>
-            <a:r>
-              <a:rPr lang="pl-PL" dirty="0" smtClean="0"/>
-              <a:t>listy 3</a:t>
-            </a:r>
-            <a:r>
-              <a:rPr lang="pl-PL" dirty="0" smtClean="0"/>
-              <a:t>.</a:t>
-            </a:r>
-          </a:p>
-          <a:p>
-            <a:pPr marL="624078" indent="-514350">
-              <a:buFont typeface="+mj-lt"/>
-              <a:buAutoNum type="arabicPeriod"/>
-            </a:pPr>
-            <a:r>
-              <a:rPr lang="pl-PL" dirty="0" smtClean="0"/>
-              <a:t>Źle wybrany obiekt można usunąć przyciskiem „-”.</a:t>
-            </a:r>
-            <a:endParaRPr lang="pl-PL" dirty="0" smtClean="0"/>
-          </a:p>
-          <a:p>
-            <a:pPr marL="624078" indent="-514350">
-              <a:buFont typeface="+mj-lt"/>
-              <a:buAutoNum type="arabicPeriod"/>
-            </a:pPr>
-            <a:endParaRPr lang="pl-PL" dirty="0" smtClean="0"/>
-          </a:p>
-          <a:p>
+              <a:t>Uruchamianie skryptu</a:t>
+            </a:r>
             <a:endParaRPr lang="pl-PL" dirty="0"/>
           </a:p>
         </p:txBody>
       </p:sp>
-      <p:sp>
-        <p:nvSpPr>
-          <p:cNvPr id="3" name="Title 2"/>
-          <p:cNvSpPr>
-            <a:spLocks noGrp="1"/>
-          </p:cNvSpPr>
-          <p:nvPr>
-            <p:ph type="title"/>
-          </p:nvPr>
-        </p:nvSpPr>
-        <p:spPr/>
-        <p:txBody>
-          <a:bodyPr>
-            <a:normAutofit fontScale="90000"/>
-          </a:bodyPr>
-          <a:lstStyle/>
-          <a:p>
-            <a:pPr marL="109728" indent="0"/>
-            <a:r>
-              <a:rPr lang="pl-PL" dirty="0"/>
-              <a:t>Schemat dodawania obiektu do </a:t>
-            </a:r>
-            <a:r>
-              <a:rPr lang="pl-PL" dirty="0" smtClean="0"/>
-              <a:t>modelu:</a:t>
-            </a:r>
-            <a:endParaRPr lang="pl-PL" dirty="0"/>
-          </a:p>
-        </p:txBody>
-      </p:sp>
+      <p:pic>
+        <p:nvPicPr>
+          <p:cNvPr id="3074" name="Picture 2" descr="C:\Users\Dylek\Pictures\My Screen Shots\Screen Shot 05-17-16 at 07.01 PM 004.JPG"/>
+          <p:cNvPicPr>
+            <a:picLocks noChangeAspect="1" noChangeArrowheads="1"/>
+          </p:cNvPicPr>
+          <p:nvPr/>
+        </p:nvPicPr>
+        <p:blipFill>
+          <a:blip r:embed="rId2">
+            <a:extLst>
+              <a:ext uri="{28A0092B-C50C-407E-A947-70E740481C1C}">
+                <a14:useLocalDpi xmlns:a14="http://schemas.microsoft.com/office/drawing/2010/main" val="0"/>
+              </a:ext>
+            </a:extLst>
+          </a:blip>
+          <a:srcRect/>
+          <a:stretch>
+            <a:fillRect/>
+          </a:stretch>
+        </p:blipFill>
+        <p:spPr bwMode="auto">
+          <a:xfrm>
+            <a:off x="2209800" y="3886200"/>
+            <a:ext cx="3717925" cy="1955783"/>
+          </a:xfrm>
+          <a:prstGeom prst="rect">
+            <a:avLst/>
+          </a:prstGeom>
+          <a:noFill/>
+          <a:extLst>
+            <a:ext uri="{909E8E84-426E-40DD-AFC4-6F175D3DCCD1}">
+              <a14:hiddenFill xmlns:a14="http://schemas.microsoft.com/office/drawing/2010/main">
+                <a:solidFill>
+                  <a:srgbClr val="FFFFFF"/>
+                </a:solidFill>
+              </a14:hiddenFill>
+            </a:ext>
+          </a:extLst>
+        </p:spPr>
+      </p:pic>
     </p:spTree>
     <p:extLst>
       <p:ext uri="{BB962C8B-B14F-4D97-AF65-F5344CB8AC3E}">
-        <p14:creationId xmlns:p14="http://schemas.microsoft.com/office/powerpoint/2010/main" val="1541505849"/>
+        <p14:creationId xmlns:p14="http://schemas.microsoft.com/office/powerpoint/2010/main" val="3071428401"/>
       </p:ext>
     </p:extLst>
   </p:cSld>
@@ -4914,11 +4883,57 @@
           <a:chExt cx="0" cy="0"/>
         </a:xfrm>
       </p:grpSpPr>
+      <p:sp>
+        <p:nvSpPr>
+          <p:cNvPr id="2" name="Symbol zastępczy zawartości 1"/>
+          <p:cNvSpPr>
+            <a:spLocks noGrp="1"/>
+          </p:cNvSpPr>
+          <p:nvPr>
+            <p:ph idx="1"/>
+          </p:nvPr>
+        </p:nvSpPr>
+        <p:spPr/>
+        <p:txBody>
+          <a:bodyPr/>
+          <a:lstStyle/>
+          <a:p>
+            <a:r>
+              <a:rPr lang="pl-PL" dirty="0" smtClean="0"/>
+              <a:t>Nasze GUI pokazuje także, komunikaty konsoli po uruchomieniu skryptu.</a:t>
+            </a:r>
+            <a:endParaRPr lang="pl-PL" dirty="0"/>
+          </a:p>
+        </p:txBody>
+      </p:sp>
+      <p:sp>
+        <p:nvSpPr>
+          <p:cNvPr id="3" name="Tytuł 2"/>
+          <p:cNvSpPr>
+            <a:spLocks noGrp="1"/>
+          </p:cNvSpPr>
+          <p:nvPr>
+            <p:ph type="title"/>
+          </p:nvPr>
+        </p:nvSpPr>
+        <p:spPr/>
+        <p:txBody>
+          <a:bodyPr/>
+          <a:lstStyle/>
+          <a:p>
+            <a:r>
+              <a:rPr lang="pl-PL" dirty="0" smtClean="0"/>
+              <a:t>Wyśjcie konsoli</a:t>
+            </a:r>
+            <a:endParaRPr lang="pl-PL" dirty="0"/>
+          </a:p>
+        </p:txBody>
+      </p:sp>
       <p:pic>
         <p:nvPicPr>
-          <p:cNvPr id="5" name="Obraz 4"/>
+          <p:cNvPr id="6147" name="Picture 3"/>
           <p:cNvPicPr>
-            <a:picLocks noChangeAspect="1"/>
+            <a:picLocks noChangeAspect="1" noChangeArrowheads="1"/>
           </p:cNvPicPr>
           <p:nvPr/>
         </p:nvPicPr>
@@ -4930,24 +4945,122 @@
               </a:ext>
             </a:extLst>
           </a:blip>
+          <a:srcRect/>
           <a:stretch>
             <a:fillRect/>
           </a:stretch>
         </p:blipFill>
-        <p:spPr>
+        <p:spPr bwMode="auto">
           <a:xfrm>
-            <a:off x="0" y="1307284"/>
-            <a:ext cx="9144000" cy="4243431"/>
+            <a:off x="1828800" y="2438400"/>
+            <a:ext cx="4914900" cy="2381250"/>
           </a:xfrm>
           <a:prstGeom prst="rect">
             <a:avLst/>
           </a:prstGeom>
+          <a:noFill/>
+          <a:ln>
+            <a:noFill/>
+          </a:ln>
+          <a:effectLst/>
+          <a:extLst>
+            <a:ext uri="{909E8E84-426E-40DD-AFC4-6F175D3DCCD1}">
+              <a14:hiddenFill xmlns:a14="http://schemas.microsoft.com/office/drawing/2010/main">
+                <a:solidFill>
+                  <a:schemeClr val="accent1"/>
+                </a:solidFill>
+              </a14:hiddenFill>
+            </a:ext>
+            <a:ext uri="{91240B29-F687-4F45-9708-019B960494DF}">
+              <a14:hiddenLine xmlns:a14="http://schemas.microsoft.com/office/drawing/2010/main" w="9525">
+                <a:solidFill>
+                  <a:schemeClr val="tx1"/>
+                </a:solidFill>
+                <a:miter lim="800000"/>
+                <a:headEnd/>
+                <a:tailEnd/>
+              </a14:hiddenLine>
+            </a:ext>
+            <a:ext uri="{AF507438-7753-43E0-B8FC-AC1667EBCBE1}">
+              <a14:hiddenEffects xmlns:a14="http://schemas.microsoft.com/office/drawing/2010/main">
+                <a:effectLst>
+                  <a:outerShdw dist="35921" dir="2700000" algn="ctr" rotWithShape="0">
+                    <a:schemeClr val="bg2"/>
+                  </a:outerShdw>
+                </a:effectLst>
+              </a14:hiddenEffects>
+            </a:ext>
+          </a:extLst>
+        </p:spPr>
+      </p:pic>
+      <p:pic>
+        <p:nvPicPr>
+          <p:cNvPr id="6149" name="Picture 5"/>
+          <p:cNvPicPr>
+            <a:picLocks noChangeAspect="1" noChangeArrowheads="1"/>
+          </p:cNvPicPr>
+          <p:nvPr/>
+        </p:nvPicPr>
+        <p:blipFill>
+          <a:blip r:embed="rId3">
+            <a:extLst>
+              <a:ext uri="{28A0092B-C50C-407E-A947-70E740481C1C}">
+                <a14:useLocalDpi xmlns:a14="http://schemas.microsoft.com/office/drawing/2010/main" val="0"/>
+              </a:ext>
+            </a:extLst>
+          </a:blip>
+          <a:srcRect/>
+          <a:stretch>
+            <a:fillRect/>
+          </a:stretch>
+        </p:blipFill>
+        <p:spPr bwMode="auto">
+          <a:xfrm>
+            <a:off x="1828800" y="5010150"/>
+            <a:ext cx="5019675" cy="1257300"/>
+          </a:xfrm>
+          <a:prstGeom prst="rect">
+            <a:avLst/>
+          </a:prstGeom>
+          <a:noFill/>
+          <a:ln>
+            <a:noFill/>
+          </a:ln>
+          <a:effectLst/>
+          <a:extLst>
+            <a:ext uri="{909E8E84-426E-40DD-AFC4-6F175D3DCCD1}">
+              <a14:hiddenFill xmlns:a14="http://schemas.microsoft.com/office/drawing/2010/main">
+                <a:solidFill>
+                  <a:schemeClr val="accent1"/>
+                </a:solidFill>
+              </a14:hiddenFill>
+            </a:ext>
+            <a:ext uri="{91240B29-F687-4F45-9708-019B960494DF}">
+              <a14:hiddenLine xmlns:a14="http://schemas.microsoft.com/office/drawing/2010/main" w="9525">
+                <a:solidFill>
+                  <a:schemeClr val="tx1"/>
+                </a:solidFill>
+                <a:miter lim="800000"/>
+                <a:headEnd/>
+                <a:tailEnd/>
+              </a14:hiddenLine>
+            </a:ext>
+            <a:ext uri="{AF507438-7753-43E0-B8FC-AC1667EBCBE1}">
+              <a14:hiddenEffects xmlns:a14="http://schemas.microsoft.com/office/drawing/2010/main">
+                <a:effectLst>
+                  <a:outerShdw dist="35921" dir="2700000" algn="ctr" rotWithShape="0">
+                    <a:schemeClr val="bg2"/>
+                  </a:outerShdw>
+                </a:effectLst>
+              </a14:hiddenEffects>
+            </a:ext>
+          </a:extLst>
         </p:spPr>
       </p:pic>
     </p:spTree>
     <p:extLst>
       <p:ext uri="{BB962C8B-B14F-4D97-AF65-F5344CB8AC3E}">
-        <p14:creationId xmlns:p14="http://schemas.microsoft.com/office/powerpoint/2010/main" val="2146006656"/>
+        <p14:creationId xmlns:p14="http://schemas.microsoft.com/office/powerpoint/2010/main" val="2336089920"/>
       </p:ext>
     </p:extLst>
   </p:cSld>
@@ -4981,9 +5094,61 @@
           <a:chExt cx="0" cy="0"/>
         </a:xfrm>
       </p:grpSpPr>
+      <p:sp>
+        <p:nvSpPr>
+          <p:cNvPr id="2" name="Content Placeholder 1"/>
+          <p:cNvSpPr>
+            <a:spLocks noGrp="1"/>
+          </p:cNvSpPr>
+          <p:nvPr>
+            <p:ph idx="1"/>
+          </p:nvPr>
+        </p:nvSpPr>
+        <p:spPr/>
+        <p:txBody>
+          <a:bodyPr/>
+          <a:lstStyle/>
+          <a:p>
+            <a:r>
+              <a:rPr lang="pl-PL" dirty="0" smtClean="0"/>
+              <a:t>Dokonuje się go przez przycisk Connect</a:t>
+            </a:r>
+          </a:p>
+          <a:p>
+            <a:r>
+              <a:rPr lang="pl-PL" dirty="0" smtClean="0"/>
+              <a:t>W oknie, któe się wyświetli wybieramy połączenie typu rodzic-dziecko.</a:t>
+            </a:r>
+            <a:endParaRPr lang="pl-PL" dirty="0"/>
+          </a:p>
+        </p:txBody>
+      </p:sp>
+      <p:sp>
+        <p:nvSpPr>
+          <p:cNvPr id="3" name="Title 2"/>
+          <p:cNvSpPr>
+            <a:spLocks noGrp="1"/>
+          </p:cNvSpPr>
+          <p:nvPr>
+            <p:ph type="title"/>
+          </p:nvPr>
+        </p:nvSpPr>
+        <p:spPr/>
+        <p:txBody>
+          <a:bodyPr/>
+          <a:lstStyle/>
+          <a:p>
+            <a:r>
+              <a:rPr lang="pl-PL" dirty="0" smtClean="0"/>
+              <a:t>Łączenie obiektów</a:t>
+            </a:r>
+            <a:endParaRPr lang="pl-PL" dirty="0"/>
+          </a:p>
+        </p:txBody>
+      </p:sp>
       <p:pic>
         <p:nvPicPr>
-          <p:cNvPr id="1026" name="Picture 2"/>
+          <p:cNvPr id="7170" name="Picture 2"/>
           <p:cNvPicPr>
             <a:picLocks noChangeAspect="1" noChangeArrowheads="1"/>
           </p:cNvPicPr>
@@ -5004,8 +5169,8 @@
         </p:blipFill>
         <p:spPr bwMode="auto">
           <a:xfrm>
-            <a:off x="0" y="1295400"/>
-            <a:ext cx="9144000" cy="4250422"/>
+            <a:off x="838200" y="3048000"/>
+            <a:ext cx="3429000" cy="2133600"/>
           </a:xfrm>
           <a:prstGeom prst="rect">
             <a:avLst/>
@@ -5014,6 +5179,7 @@
           <a:ln>
             <a:noFill/>
           </a:ln>
+          <a:effectLst/>
           <a:extLst>
             <a:ext uri="{909E8E84-426E-40DD-AFC4-6F175D3DCCD1}">
               <a14:hiddenFill xmlns:a14="http://schemas.microsoft.com/office/drawing/2010/main">
@@ -5032,13 +5198,86 @@
                 <a:tailEnd/>
               </a14:hiddenLine>
             </a:ext>
+            <a:ext uri="{AF507438-7753-43E0-B8FC-AC1667EBCBE1}">
+              <a14:hiddenEffects xmlns:a14="http://schemas.microsoft.com/office/drawing/2010/main">
+                <a:effectLst>
+                  <a:outerShdw dist="35921" dir="2700000" algn="ctr" rotWithShape="0">
+                    <a:schemeClr val="bg2"/>
+                  </a:outerShdw>
+                </a:effectLst>
+              </a14:hiddenEffects>
+            </a:ext>
+          </a:extLst>
+        </p:spPr>
+      </p:pic>
+      <p:pic>
+        <p:nvPicPr>
+          <p:cNvPr id="7171" name="Picture 3"/>
+          <p:cNvPicPr>
+            <a:picLocks noChangeAspect="1" noChangeArrowheads="1"/>
+          </p:cNvPicPr>
+          <p:nvPr/>
+        </p:nvPicPr>
+        <p:blipFill>
+          <a:blip r:embed="rId3">
+            <a:extLst>
+              <a:ext uri="{28A0092B-C50C-407E-A947-70E740481C1C}">
+                <a14:useLocalDpi xmlns:a14="http://schemas.microsoft.com/office/drawing/2010/main" val="0"/>
+              </a:ext>
+            </a:extLst>
+          </a:blip>
+          <a:srcRect/>
+          <a:stretch>
+            <a:fillRect/>
+          </a:stretch>
+        </p:blipFill>
+        <p:spPr bwMode="auto">
+          <a:xfrm>
+            <a:off x="4509370" y="4124195"/>
+            <a:ext cx="4276725" cy="428625"/>
+          </a:xfrm>
+          <a:prstGeom prst="rect">
+            <a:avLst/>
+          </a:prstGeom>
+          <a:noFill/>
+          <a:ln>
+            <a:noFill/>
+          </a:ln>
+          <a:effectLst/>
+          <a:extLst>
+            <a:ext uri="{909E8E84-426E-40DD-AFC4-6F175D3DCCD1}">
+              <a14:hiddenFill xmlns:a14="http://schemas.microsoft.com/office/drawing/2010/main">
+                <a:solidFill>
+                  <a:schemeClr val="accent1"/>
+                </a:solidFill>
+              </a14:hiddenFill>
+            </a:ext>
+            <a:ext uri="{91240B29-F687-4F45-9708-019B960494DF}">
+              <a14:hiddenLine xmlns:a14="http://schemas.microsoft.com/office/drawing/2010/main" w="9525">
+                <a:solidFill>
+                  <a:schemeClr val="tx1"/>
+                </a:solidFill>
+                <a:miter lim="800000"/>
+                <a:headEnd/>
+                <a:tailEnd/>
+              </a14:hiddenLine>
+            </a:ext>
+            <a:ext uri="{AF507438-7753-43E0-B8FC-AC1667EBCBE1}">
+              <a14:hiddenEffects xmlns:a14="http://schemas.microsoft.com/office/drawing/2010/main">
+                <a:effectLst>
+                  <a:outerShdw dist="35921" dir="2700000" algn="ctr" rotWithShape="0">
+                    <a:schemeClr val="bg2"/>
+                  </a:outerShdw>
+                </a:effectLst>
+              </a14:hiddenEffects>
+            </a:ext>
           </a:extLst>
         </p:spPr>
       </p:pic>
     </p:spTree>
     <p:extLst>
       <p:ext uri="{BB962C8B-B14F-4D97-AF65-F5344CB8AC3E}">
-        <p14:creationId xmlns:p14="http://schemas.microsoft.com/office/powerpoint/2010/main" val="1462594199"/>
+        <p14:creationId xmlns:p14="http://schemas.microsoft.com/office/powerpoint/2010/main" val="525174731"/>
       </p:ext>
     </p:extLst>
   </p:cSld>
@@ -5072,40 +5311,52 @@
           <a:chExt cx="0" cy="0"/>
         </a:xfrm>
       </p:grpSpPr>
-      <p:pic>
-        <p:nvPicPr>
-          <p:cNvPr id="2" name="Obraz 1"/>
-          <p:cNvPicPr>
-            <a:picLocks noChangeAspect="1"/>
-          </p:cNvPicPr>
-          <p:nvPr/>
-        </p:nvPicPr>
-        <p:blipFill>
-          <a:blip r:embed="rId2">
-            <a:extLst>
-              <a:ext uri="{28A0092B-C50C-407E-A947-70E740481C1C}">
-                <a14:useLocalDpi xmlns:a14="http://schemas.microsoft.com/office/drawing/2010/main" val="0"/>
-              </a:ext>
-            </a:extLst>
-          </a:blip>
-          <a:stretch>
-            <a:fillRect/>
-          </a:stretch>
-        </p:blipFill>
-        <p:spPr>
-          <a:xfrm>
-            <a:off x="0" y="1305661"/>
-            <a:ext cx="9144000" cy="4246677"/>
-          </a:xfrm>
-          <a:prstGeom prst="rect">
-            <a:avLst/>
-          </a:prstGeom>
-        </p:spPr>
-      </p:pic>
+      <p:sp>
+        <p:nvSpPr>
+          <p:cNvPr id="2" name="Content Placeholder 1"/>
+          <p:cNvSpPr>
+            <a:spLocks noGrp="1"/>
+          </p:cNvSpPr>
+          <p:nvPr>
+            <p:ph idx="1"/>
+          </p:nvPr>
+        </p:nvSpPr>
+        <p:spPr/>
+        <p:txBody>
+          <a:bodyPr/>
+          <a:lstStyle/>
+          <a:p>
+            <a:endParaRPr lang="pl-PL"/>
+          </a:p>
+        </p:txBody>
+      </p:sp>
+      <p:sp>
+        <p:nvSpPr>
+          <p:cNvPr id="3" name="Title 2"/>
+          <p:cNvSpPr>
+            <a:spLocks noGrp="1"/>
+          </p:cNvSpPr>
+          <p:nvPr>
+            <p:ph type="title"/>
+          </p:nvPr>
+        </p:nvSpPr>
+        <p:spPr/>
+        <p:txBody>
+          <a:bodyPr/>
+          <a:lstStyle/>
+          <a:p>
+            <a:r>
+              <a:rPr lang="pl-PL" dirty="0" smtClean="0"/>
+              <a:t>Wyniki testów</a:t>
+            </a:r>
+            <a:endParaRPr lang="pl-PL" dirty="0"/>
+          </a:p>
+        </p:txBody>
+      </p:sp>
     </p:spTree>
     <p:extLst>
       <p:ext uri="{BB962C8B-B14F-4D97-AF65-F5344CB8AC3E}">
-        <p14:creationId xmlns:p14="http://schemas.microsoft.com/office/powerpoint/2010/main" val="994000686"/>
+        <p14:creationId xmlns:p14="http://schemas.microsoft.com/office/powerpoint/2010/main" val="3671698965"/>
       </p:ext>
     </p:extLst>
   </p:cSld>
@@ -5139,40 +5390,39 @@
           <a:chExt cx="0" cy="0"/>
         </a:xfrm>
       </p:grpSpPr>
-      <p:pic>
-        <p:nvPicPr>
-          <p:cNvPr id="2" name="Obraz 1"/>
-          <p:cNvPicPr>
-            <a:picLocks noChangeAspect="1"/>
-          </p:cNvPicPr>
-          <p:nvPr/>
-        </p:nvPicPr>
-        <p:blipFill>
-          <a:blip r:embed="rId2">
-            <a:extLst>
-              <a:ext uri="{28A0092B-C50C-407E-A947-70E740481C1C}">
-                <a14:useLocalDpi xmlns:a14="http://schemas.microsoft.com/office/drawing/2010/main" val="0"/>
-              </a:ext>
-            </a:extLst>
-          </a:blip>
-          <a:stretch>
-            <a:fillRect/>
-          </a:stretch>
-        </p:blipFill>
+      <p:sp>
+        <p:nvSpPr>
+          <p:cNvPr id="3" name="Title 2"/>
+          <p:cNvSpPr>
+            <a:spLocks noGrp="1"/>
+          </p:cNvSpPr>
+          <p:nvPr>
+            <p:ph type="title"/>
+          </p:nvPr>
+        </p:nvSpPr>
         <p:spPr>
           <a:xfrm>
-            <a:off x="0" y="1303789"/>
-            <a:ext cx="9144000" cy="4250422"/>
+            <a:off x="304800" y="2209800"/>
+            <a:ext cx="8229600" cy="1143000"/>
           </a:xfrm>
-          <a:prstGeom prst="rect">
-            <a:avLst/>
-          </a:prstGeom>
         </p:spPr>
-      </p:pic>
+        <p:txBody>
+          <a:bodyPr/>
+          <a:lstStyle/>
+          <a:p>
+            <a:pPr algn="ctr"/>
+            <a:r>
+              <a:rPr lang="pl-PL" dirty="0" smtClean="0"/>
+              <a:t>Co dalej?</a:t>
+            </a:r>
+            <a:endParaRPr lang="pl-PL" dirty="0"/>
+          </a:p>
+        </p:txBody>
+      </p:sp>
     </p:spTree>
     <p:extLst>
       <p:ext uri="{BB962C8B-B14F-4D97-AF65-F5344CB8AC3E}">
-        <p14:creationId xmlns:p14="http://schemas.microsoft.com/office/powerpoint/2010/main" val="2756651517"/>
+        <p14:creationId xmlns:p14="http://schemas.microsoft.com/office/powerpoint/2010/main" val="1256986482"/>
       </p:ext>
     </p:extLst>
   </p:cSld>
@@ -5221,78 +5471,74 @@
           <a:bodyPr/>
           <a:lstStyle/>
           <a:p>
-            <a:pPr marL="624078" indent="-514350">
-              <a:buFont typeface="+mj-lt"/>
-              <a:buAutoNum type="arabicPeriod"/>
-            </a:pPr>
             <a:r>
               <a:rPr lang="pl-PL" dirty="0" smtClean="0"/>
-              <a:t>Wybieramy obiekt, którego właściwości chcemy zmienić.</a:t>
-            </a:r>
-          </a:p>
-          <a:p>
-            <a:pPr marL="624078" indent="-514350">
-              <a:buFont typeface="+mj-lt"/>
-              <a:buAutoNum type="arabicPeriod"/>
-            </a:pPr>
+              <a:t>Znalezienie i naprawienie </a:t>
+            </a:r>
             <a:r>
               <a:rPr lang="pl-PL" dirty="0" smtClean="0"/>
-              <a:t>Pojawia </a:t>
+              <a:t>błędów w dotychczasowym </a:t>
             </a:r>
             <a:r>
               <a:rPr lang="pl-PL" dirty="0" smtClean="0"/>
-              <a:t>się </a:t>
+              <a:t>kodzie(jeśli są), </a:t>
             </a:r>
             <a:r>
               <a:rPr lang="pl-PL" dirty="0" smtClean="0"/>
-              <a:t>panel właściwości obiektu.</a:t>
-            </a:r>
-          </a:p>
-          <a:p>
-            <a:pPr marL="624078" indent="-514350">
-              <a:buFont typeface="+mj-lt"/>
-              <a:buAutoNum type="arabicPeriod"/>
-            </a:pPr>
+              <a:t>wprowadzenie ewentualnych modyfikacji i </a:t>
+            </a:r>
             <a:r>
               <a:rPr lang="pl-PL" dirty="0" smtClean="0"/>
-              <a:t>Po zmianie właściwości należy zapisać je w obiekcie poprzez </a:t>
-            </a:r>
+              <a:t>ulepszeń(może refaktor kodu);</a:t>
+            </a:r>
+            <a:endParaRPr lang="pl-PL" dirty="0" smtClean="0"/>
+          </a:p>
+          <a:p>
             <a:r>
               <a:rPr lang="pl-PL" dirty="0" smtClean="0"/>
-              <a:t>naciśnięcie </a:t>
+              <a:t>Dodanie obsługi opcji </a:t>
             </a:r>
             <a:r>
               <a:rPr lang="pl-PL" dirty="0" smtClean="0"/>
-              <a:t>przycisku </a:t>
-            </a:r>
+              <a:t>scheduler;</a:t>
+            </a:r>
+          </a:p>
+          <a:p>
             <a:r>
               <a:rPr lang="pl-PL" dirty="0" smtClean="0"/>
-              <a:t>„</a:t>
-            </a:r>
-            <a:r>
-              <a:rPr lang="pl-PL" dirty="0" err="1" smtClean="0"/>
-              <a:t>Save</a:t>
-            </a:r>
+              <a:t>Dodanie nowych obiektów;</a:t>
+            </a:r>
+            <a:endParaRPr lang="pl-PL" dirty="0" smtClean="0"/>
+          </a:p>
+          <a:p>
             <a:r>
               <a:rPr lang="pl-PL" dirty="0" smtClean="0"/>
-              <a:t> </a:t>
-            </a:r>
-            <a:r>
-              <a:rPr lang="pl-PL" dirty="0" err="1" smtClean="0"/>
-              <a:t>changes</a:t>
+              <a:t>Wyświetlanie plików wynikowych</a:t>
             </a:r>
             <a:r>
               <a:rPr lang="pl-PL" dirty="0" smtClean="0"/>
-              <a:t>”.</a:t>
+              <a:t>;</a:t>
+            </a:r>
+          </a:p>
+          <a:p>
+            <a:r>
+              <a:rPr lang="pl-PL" dirty="0" smtClean="0"/>
+              <a:t>Poprawienie wyglądu;</a:t>
             </a:r>
             <a:endParaRPr lang="pl-PL" dirty="0" smtClean="0"/>
           </a:p>
           <a:p>
-            <a:pPr marL="624078" indent="-514350">
-              <a:buFont typeface="+mj-lt"/>
-              <a:buAutoNum type="arabicPeriod"/>
-            </a:pPr>
-            <a:endParaRPr lang="pl-PL" dirty="0"/>
+            <a:r>
+              <a:rPr lang="pl-PL" dirty="0" smtClean="0"/>
+              <a:t>Dodanie kolejnych </a:t>
+            </a:r>
+            <a:r>
+              <a:rPr lang="pl-PL" dirty="0" smtClean="0"/>
+              <a:t>testów automatycznych.</a:t>
+            </a:r>
+          </a:p>
+          <a:p>
+            <a:endParaRPr lang="pl-PL" dirty="0" smtClean="0"/>
           </a:p>
         </p:txBody>
       </p:sp>
@@ -5313,7 +5559,7 @@
           <a:p>
             <a:r>
               <a:rPr lang="pl-PL" dirty="0" smtClean="0"/>
-              <a:t>Zmienianie właściwości obiektu</a:t>
+              <a:t>Kontynuacja projektu</a:t>
             </a:r>
             <a:endParaRPr lang="pl-PL" dirty="0"/>
           </a:p>
@@ -5322,7 +5568,7 @@
     </p:spTree>
     <p:extLst>
       <p:ext uri="{BB962C8B-B14F-4D97-AF65-F5344CB8AC3E}">
-        <p14:creationId xmlns:p14="http://schemas.microsoft.com/office/powerpoint/2010/main" val="1247509109"/>
+        <p14:creationId xmlns:p14="http://schemas.microsoft.com/office/powerpoint/2010/main" val="3362999289"/>
       </p:ext>
     </p:extLst>
   </p:cSld>
@@ -5356,40 +5602,43 @@
           <a:chExt cx="0" cy="0"/>
         </a:xfrm>
       </p:grpSpPr>
-      <p:pic>
-        <p:nvPicPr>
-          <p:cNvPr id="2" name="Obraz 1"/>
-          <p:cNvPicPr>
-            <a:picLocks noChangeAspect="1"/>
-          </p:cNvPicPr>
-          <p:nvPr/>
-        </p:nvPicPr>
-        <p:blipFill>
-          <a:blip r:embed="rId2">
-            <a:extLst>
-              <a:ext uri="{28A0092B-C50C-407E-A947-70E740481C1C}">
-                <a14:useLocalDpi xmlns:a14="http://schemas.microsoft.com/office/drawing/2010/main" val="0"/>
-              </a:ext>
-            </a:extLst>
-          </a:blip>
-          <a:stretch>
-            <a:fillRect/>
-          </a:stretch>
-        </p:blipFill>
+      <p:sp>
+        <p:nvSpPr>
+          <p:cNvPr id="3" name="Title 2"/>
+          <p:cNvSpPr>
+            <a:spLocks noGrp="1"/>
+          </p:cNvSpPr>
+          <p:nvPr>
+            <p:ph type="title"/>
+          </p:nvPr>
+        </p:nvSpPr>
         <p:spPr>
           <a:xfrm>
-            <a:off x="0" y="1307284"/>
-            <a:ext cx="9144000" cy="4243431"/>
+            <a:off x="685800" y="3200400"/>
+            <a:ext cx="8229600" cy="1143000"/>
           </a:xfrm>
-          <a:prstGeom prst="rect">
-            <a:avLst/>
-          </a:prstGeom>
         </p:spPr>
-      </p:pic>
+        <p:txBody>
+          <a:bodyPr>
+            <a:noAutofit/>
+          </a:bodyPr>
+          <a:lstStyle/>
+          <a:p>
+            <a:r>
+              <a:rPr lang="pl-PL" sz="6600" dirty="0"/>
+              <a:t>Dziękujemy za uwagę.</a:t>
+            </a:r>
+            <a:br>
+              <a:rPr lang="pl-PL" sz="6600" dirty="0"/>
+            </a:br>
+            <a:endParaRPr lang="pl-PL" sz="6600" dirty="0"/>
+          </a:p>
+        </p:txBody>
+      </p:sp>
     </p:spTree>
     <p:extLst>
       <p:ext uri="{BB962C8B-B14F-4D97-AF65-F5344CB8AC3E}">
-        <p14:creationId xmlns:p14="http://schemas.microsoft.com/office/powerpoint/2010/main" val="1940506222"/>
+        <p14:creationId xmlns:p14="http://schemas.microsoft.com/office/powerpoint/2010/main" val="1222083149"/>
       </p:ext>
     </p:extLst>
   </p:cSld>
@@ -5403,335 +5652,6 @@
       </p:par>
     </p:tnLst>
   </p:timing>
-</p:sld>
-</file>
-
-<file path=ppt/slides/slide17.xml><?xml version="1.0" encoding="utf-8"?>
-<p:sld xmlns:a="http://schemas.openxmlformats.org/drawingml/2006/main" xmlns:r="http://schemas.openxmlformats.org/officeDocument/2006/relationships" xmlns:p="http://schemas.openxmlformats.org/presentationml/2006/main">
-  <p:cSld>
-    <p:spTree>
-      <p:nvGrpSpPr>
-        <p:cNvPr id="1" name=""/>
-        <p:cNvGrpSpPr/>
-        <p:nvPr/>
-      </p:nvGrpSpPr>
-      <p:grpSpPr>
-        <a:xfrm>
-          <a:off x="0" y="0"/>
-          <a:ext cx="0" cy="0"/>
-          <a:chOff x="0" y="0"/>
-          <a:chExt cx="0" cy="0"/>
-        </a:xfrm>
-      </p:grpSpPr>
-      <p:sp>
-        <p:nvSpPr>
-          <p:cNvPr id="2" name="Content Placeholder 1"/>
-          <p:cNvSpPr>
-            <a:spLocks noGrp="1"/>
-          </p:cNvSpPr>
-          <p:nvPr>
-            <p:ph idx="1"/>
-          </p:nvPr>
-        </p:nvSpPr>
-        <p:spPr/>
-        <p:txBody>
-          <a:bodyPr/>
-          <a:lstStyle/>
-          <a:p>
-            <a:r>
-              <a:rPr lang="pl-PL" dirty="0" smtClean="0"/>
-              <a:t>Przycisk </a:t>
-            </a:r>
-            <a:r>
-              <a:rPr lang="pl-PL" dirty="0" smtClean="0"/>
-              <a:t>„Export to GLM” generuje, </a:t>
-            </a:r>
-            <a:r>
-              <a:rPr lang="pl-PL" dirty="0" smtClean="0"/>
-              <a:t>na podstawie naszego </a:t>
-            </a:r>
-            <a:r>
-              <a:rPr lang="pl-PL" dirty="0" smtClean="0"/>
-              <a:t>modelu, </a:t>
-            </a:r>
-            <a:r>
-              <a:rPr lang="pl-PL" dirty="0" smtClean="0"/>
-              <a:t>plik .</a:t>
-            </a:r>
-            <a:r>
-              <a:rPr lang="pl-PL" dirty="0" err="1" smtClean="0"/>
-              <a:t>glm</a:t>
-            </a:r>
-            <a:r>
-              <a:rPr lang="pl-PL" dirty="0" smtClean="0"/>
-              <a:t> </a:t>
-            </a:r>
-            <a:r>
-              <a:rPr lang="pl-PL" dirty="0" smtClean="0"/>
-              <a:t>o nazwie podanej w polu tekstowym </a:t>
-            </a:r>
-            <a:r>
-              <a:rPr lang="pl-PL" dirty="0" smtClean="0"/>
-              <a:t>obok przycisku.</a:t>
-            </a:r>
-            <a:endParaRPr lang="pl-PL" dirty="0"/>
-          </a:p>
-        </p:txBody>
-      </p:sp>
-      <p:sp>
-        <p:nvSpPr>
-          <p:cNvPr id="3" name="Title 2"/>
-          <p:cNvSpPr>
-            <a:spLocks noGrp="1"/>
-          </p:cNvSpPr>
-          <p:nvPr>
-            <p:ph type="title"/>
-          </p:nvPr>
-        </p:nvSpPr>
-        <p:spPr/>
-        <p:txBody>
-          <a:bodyPr/>
-          <a:lstStyle/>
-          <a:p>
-            <a:r>
-              <a:rPr lang="pl-PL" dirty="0" smtClean="0"/>
-              <a:t>Generowanie pliku .glm</a:t>
-            </a:r>
-            <a:endParaRPr lang="pl-PL" dirty="0"/>
-          </a:p>
-        </p:txBody>
-      </p:sp>
-    </p:spTree>
-    <p:extLst>
-      <p:ext uri="{BB962C8B-B14F-4D97-AF65-F5344CB8AC3E}">
-        <p14:creationId xmlns:p14="http://schemas.microsoft.com/office/powerpoint/2010/main" val="1336825999"/>
-      </p:ext>
-    </p:extLst>
-  </p:cSld>
-  <p:clrMapOvr>
-    <a:masterClrMapping/>
-  </p:clrMapOvr>
-  <p:timing>
-    <p:tnLst>
-      <p:par>
-        <p:cTn id="1" dur="indefinite" restart="never" nodeType="tmRoot"/>
-      </p:par>
-    </p:tnLst>
-  </p:timing>
-</p:sld>
-</file>
-
-<file path=ppt/slides/slide18.xml><?xml version="1.0" encoding="utf-8"?>
-<p:sld xmlns:a="http://schemas.openxmlformats.org/drawingml/2006/main" xmlns:r="http://schemas.openxmlformats.org/officeDocument/2006/relationships" xmlns:p="http://schemas.openxmlformats.org/presentationml/2006/main">
-  <p:cSld>
-    <p:spTree>
-      <p:nvGrpSpPr>
-        <p:cNvPr id="1" name=""/>
-        <p:cNvGrpSpPr/>
-        <p:nvPr/>
-      </p:nvGrpSpPr>
-      <p:grpSpPr>
-        <a:xfrm>
-          <a:off x="0" y="0"/>
-          <a:ext cx="0" cy="0"/>
-          <a:chOff x="0" y="0"/>
-          <a:chExt cx="0" cy="0"/>
-        </a:xfrm>
-      </p:grpSpPr>
-      <p:sp>
-        <p:nvSpPr>
-          <p:cNvPr id="2" name="Content Placeholder 1"/>
-          <p:cNvSpPr>
-            <a:spLocks noGrp="1"/>
-          </p:cNvSpPr>
-          <p:nvPr>
-            <p:ph idx="1"/>
-          </p:nvPr>
-        </p:nvSpPr>
-        <p:spPr/>
-        <p:txBody>
-          <a:bodyPr/>
-          <a:lstStyle/>
-          <a:p>
-            <a:r>
-              <a:rPr lang="pl-PL" dirty="0" smtClean="0"/>
-              <a:t>Nasze GUI daje możliwość </a:t>
-            </a:r>
-            <a:r>
-              <a:rPr lang="pl-PL" dirty="0" smtClean="0"/>
-              <a:t>uruchamiania wygenerowanego </a:t>
-            </a:r>
-            <a:r>
-              <a:rPr lang="pl-PL" dirty="0" smtClean="0"/>
-              <a:t>pliku .glm z poziomu aplikacji przez przycisk </a:t>
-            </a:r>
-            <a:r>
-              <a:rPr lang="pl-PL" dirty="0" smtClean="0"/>
-              <a:t>„Run </a:t>
-            </a:r>
-            <a:r>
-              <a:rPr lang="pl-PL" dirty="0" err="1" smtClean="0"/>
-              <a:t>simulation</a:t>
-            </a:r>
-            <a:r>
-              <a:rPr lang="pl-PL" dirty="0" smtClean="0"/>
-              <a:t>”.</a:t>
-            </a:r>
-            <a:endParaRPr lang="pl-PL" dirty="0" smtClean="0"/>
-          </a:p>
-          <a:p>
-            <a:r>
-              <a:rPr lang="pl-PL" dirty="0" smtClean="0"/>
-              <a:t>Pole tekstowe na </a:t>
-            </a:r>
-            <a:r>
-              <a:rPr lang="pl-PL" dirty="0" smtClean="0"/>
-              <a:t>dole okna przeznaczone </a:t>
-            </a:r>
-            <a:r>
-              <a:rPr lang="pl-PL" dirty="0" smtClean="0"/>
-              <a:t>jest na </a:t>
-            </a:r>
-            <a:r>
-              <a:rPr lang="pl-PL" dirty="0" smtClean="0"/>
-              <a:t>wyświetlenie odpowiedzi </a:t>
-            </a:r>
-            <a:r>
-              <a:rPr lang="pl-PL" dirty="0" smtClean="0"/>
-              <a:t>konsoli na uruchomienie podanego </a:t>
-            </a:r>
-            <a:r>
-              <a:rPr lang="pl-PL" dirty="0" smtClean="0"/>
-              <a:t>pliku</a:t>
-            </a:r>
-            <a:r>
-              <a:rPr lang="pl-PL" dirty="0"/>
-              <a:t>.</a:t>
-            </a:r>
-            <a:endParaRPr lang="pl-PL" dirty="0" smtClean="0"/>
-          </a:p>
-        </p:txBody>
-      </p:sp>
-      <p:sp>
-        <p:nvSpPr>
-          <p:cNvPr id="3" name="Title 2"/>
-          <p:cNvSpPr>
-            <a:spLocks noGrp="1"/>
-          </p:cNvSpPr>
-          <p:nvPr>
-            <p:ph type="title"/>
-          </p:nvPr>
-        </p:nvSpPr>
-        <p:spPr/>
-        <p:txBody>
-          <a:bodyPr/>
-          <a:lstStyle/>
-          <a:p>
-            <a:r>
-              <a:rPr lang="pl-PL" dirty="0" smtClean="0"/>
-              <a:t>Uruchamianie skryptu</a:t>
-            </a:r>
-            <a:endParaRPr lang="pl-PL" dirty="0"/>
-          </a:p>
-        </p:txBody>
-      </p:sp>
-    </p:spTree>
-    <p:extLst>
-      <p:ext uri="{BB962C8B-B14F-4D97-AF65-F5344CB8AC3E}">
-        <p14:creationId xmlns:p14="http://schemas.microsoft.com/office/powerpoint/2010/main" val="3071428401"/>
-      </p:ext>
-    </p:extLst>
-  </p:cSld>
-  <p:clrMapOvr>
-    <a:masterClrMapping/>
-  </p:clrMapOvr>
-  <p:timing>
-    <p:tnLst>
-      <p:par>
-        <p:cTn id="1" dur="indefinite" restart="never" nodeType="tmRoot"/>
-      </p:par>
-    </p:tnLst>
-  </p:timing>
-</p:sld>
-</file>
-
-<file path=ppt/slides/slide19.xml><?xml version="1.0" encoding="utf-8"?>
-<p:sld xmlns:a="http://schemas.openxmlformats.org/drawingml/2006/main" xmlns:r="http://schemas.openxmlformats.org/officeDocument/2006/relationships" xmlns:p="http://schemas.openxmlformats.org/presentationml/2006/main">
-  <p:cSld>
-    <p:spTree>
-      <p:nvGrpSpPr>
-        <p:cNvPr id="1" name=""/>
-        <p:cNvGrpSpPr/>
-        <p:nvPr/>
-      </p:nvGrpSpPr>
-      <p:grpSpPr>
-        <a:xfrm>
-          <a:off x="0" y="0"/>
-          <a:ext cx="0" cy="0"/>
-          <a:chOff x="0" y="0"/>
-          <a:chExt cx="0" cy="0"/>
-        </a:xfrm>
-      </p:grpSpPr>
-      <p:sp>
-        <p:nvSpPr>
-          <p:cNvPr id="2" name="Symbol zastępczy zawartości 1"/>
-          <p:cNvSpPr>
-            <a:spLocks noGrp="1"/>
-          </p:cNvSpPr>
-          <p:nvPr>
-            <p:ph idx="1"/>
-          </p:nvPr>
-        </p:nvSpPr>
-        <p:spPr/>
-        <p:txBody>
-          <a:bodyPr/>
-          <a:lstStyle/>
-          <a:p>
-            <a:endParaRPr lang="pl-PL"/>
-          </a:p>
-        </p:txBody>
-      </p:sp>
-      <p:sp>
-        <p:nvSpPr>
-          <p:cNvPr id="3" name="Tytuł 2"/>
-          <p:cNvSpPr>
-            <a:spLocks noGrp="1"/>
-          </p:cNvSpPr>
-          <p:nvPr>
-            <p:ph type="title"/>
-          </p:nvPr>
-        </p:nvSpPr>
-        <p:spPr/>
-        <p:txBody>
-          <a:bodyPr/>
-          <a:lstStyle/>
-          <a:p>
-            <a:r>
-              <a:rPr lang="pl-PL" dirty="0" err="1" smtClean="0"/>
-              <a:t>Screen</a:t>
-            </a:r>
-            <a:r>
-              <a:rPr lang="pl-PL" dirty="0" smtClean="0"/>
-              <a:t> z </a:t>
-            </a:r>
-            <a:r>
-              <a:rPr lang="pl-PL" dirty="0" err="1" smtClean="0"/>
-              <a:t>outputem</a:t>
-            </a:r>
-            <a:endParaRPr lang="pl-PL" dirty="0"/>
-          </a:p>
-        </p:txBody>
-      </p:sp>
-    </p:spTree>
-    <p:extLst>
-      <p:ext uri="{BB962C8B-B14F-4D97-AF65-F5344CB8AC3E}">
-        <p14:creationId xmlns:p14="http://schemas.microsoft.com/office/powerpoint/2010/main" val="2336089920"/>
-      </p:ext>
-    </p:extLst>
-  </p:cSld>
-  <p:clrMapOvr>
-    <a:masterClrMapping/>
-  </p:clrMapOvr>
 </p:sld>
 </file>
 
@@ -5754,56 +5674,12 @@
       </p:grpSpPr>
       <p:sp>
         <p:nvSpPr>
-          <p:cNvPr id="2" name="Symbol zastępczy zawartości 1"/>
+          <p:cNvPr id="2" name="Content Placeholder 1"/>
           <p:cNvSpPr>
             <a:spLocks noGrp="1"/>
           </p:cNvSpPr>
           <p:nvPr>
             <p:ph idx="1"/>
-          </p:nvPr>
-        </p:nvSpPr>
-        <p:spPr>
-          <a:xfrm>
-            <a:off x="457200" y="1481328"/>
-            <a:ext cx="8229600" cy="4690872"/>
-          </a:xfrm>
-        </p:spPr>
-        <p:txBody>
-          <a:bodyPr>
-            <a:normAutofit/>
-          </a:bodyPr>
-          <a:lstStyle/>
-          <a:p>
-            <a:r>
-              <a:rPr lang="en-US" dirty="0" err="1" smtClean="0"/>
-              <a:t>GridLAB</a:t>
-            </a:r>
-            <a:r>
-              <a:rPr lang="en-US" dirty="0" smtClean="0"/>
-              <a:t>-D </a:t>
-            </a:r>
-            <a:r>
-              <a:rPr lang="pl-PL" dirty="0" smtClean="0"/>
-              <a:t>jest rozbudowanym narzędziem służącym do przeprowadzania symulacji działania sieci elektrycznych i energetycznych.</a:t>
-            </a:r>
-          </a:p>
-          <a:p>
-            <a:r>
-              <a:rPr lang="pl-PL" dirty="0" smtClean="0"/>
-              <a:t>Pozwala użytkownikowi zaprojektować połączenia pomiędzy różnego rodzaju urządzeniami.</a:t>
-            </a:r>
-            <a:endParaRPr lang="pl-PL" dirty="0"/>
-          </a:p>
-        </p:txBody>
-      </p:sp>
-      <p:sp>
-        <p:nvSpPr>
-          <p:cNvPr id="3" name="Tytuł 2"/>
-          <p:cNvSpPr>
-            <a:spLocks noGrp="1"/>
-          </p:cNvSpPr>
-          <p:nvPr>
-            <p:ph type="title"/>
           </p:nvPr>
         </p:nvSpPr>
         <p:spPr/>
@@ -5812,221 +5688,45 @@
           <a:lstStyle/>
           <a:p>
             <a:r>
-              <a:rPr lang="pl-PL" dirty="0" err="1" smtClean="0"/>
-              <a:t>GridLAB</a:t>
-            </a:r>
-            <a:r>
               <a:rPr lang="pl-PL" dirty="0" smtClean="0"/>
-              <a:t>-D</a:t>
+              <a:t>Z użuciem kodu źródłowego: kompilujemy klasę GridalbGUI.java</a:t>
+            </a:r>
+          </a:p>
+          <a:p>
+            <a:r>
+              <a:rPr lang="pl-PL" dirty="0" smtClean="0"/>
+              <a:t>Deskopowo: uruchamiamy aplikację gridlabdGUI.jar</a:t>
+            </a:r>
+          </a:p>
+        </p:txBody>
+      </p:sp>
+      <p:sp>
+        <p:nvSpPr>
+          <p:cNvPr id="3" name="Title 2"/>
+          <p:cNvSpPr>
+            <a:spLocks noGrp="1"/>
+          </p:cNvSpPr>
+          <p:nvPr>
+            <p:ph type="title"/>
+          </p:nvPr>
+        </p:nvSpPr>
+        <p:spPr/>
+        <p:txBody>
+          <a:bodyPr/>
+          <a:lstStyle/>
+          <a:p>
+            <a:r>
+              <a:rPr lang="pl-PL" dirty="0" smtClean="0"/>
+              <a:t>Uruchamianie aplikacji</a:t>
             </a:r>
             <a:endParaRPr lang="pl-PL" dirty="0"/>
-          </a:p>
-        </p:txBody>
-      </p:sp>
-      <p:sp>
-        <p:nvSpPr>
-          <p:cNvPr id="4" name="pole tekstowe 3"/>
-          <p:cNvSpPr txBox="1"/>
-          <p:nvPr/>
-        </p:nvSpPr>
-        <p:spPr>
-          <a:xfrm>
-            <a:off x="6705600" y="6324600"/>
-            <a:ext cx="2133600" cy="276999"/>
-          </a:xfrm>
-          <a:prstGeom prst="rect">
-            <a:avLst/>
-          </a:prstGeom>
-          <a:noFill/>
-        </p:spPr>
-        <p:txBody>
-          <a:bodyPr wrap="square" rtlCol="0">
-            <a:spAutoFit/>
-          </a:bodyPr>
-          <a:lstStyle/>
-          <a:p>
-            <a:r>
-              <a:rPr lang="pl-PL" sz="1200" dirty="0"/>
-              <a:t>http://www.gridlabd.org/</a:t>
-            </a:r>
           </a:p>
         </p:txBody>
       </p:sp>
     </p:spTree>
     <p:extLst>
       <p:ext uri="{BB962C8B-B14F-4D97-AF65-F5344CB8AC3E}">
-        <p14:creationId xmlns:p14="http://schemas.microsoft.com/office/powerpoint/2010/main" val="3374623633"/>
-      </p:ext>
-    </p:extLst>
-  </p:cSld>
-  <p:clrMapOvr>
-    <a:masterClrMapping/>
-  </p:clrMapOvr>
-</p:sld>
-</file>
-
-<file path=ppt/slides/slide20.xml><?xml version="1.0" encoding="utf-8"?>
-<p:sld xmlns:a="http://schemas.openxmlformats.org/drawingml/2006/main" xmlns:r="http://schemas.openxmlformats.org/officeDocument/2006/relationships" xmlns:p="http://schemas.openxmlformats.org/presentationml/2006/main">
-  <p:cSld>
-    <p:spTree>
-      <p:nvGrpSpPr>
-        <p:cNvPr id="1" name=""/>
-        <p:cNvGrpSpPr/>
-        <p:nvPr/>
-      </p:nvGrpSpPr>
-      <p:grpSpPr>
-        <a:xfrm>
-          <a:off x="0" y="0"/>
-          <a:ext cx="0" cy="0"/>
-          <a:chOff x="0" y="0"/>
-          <a:chExt cx="0" cy="0"/>
-        </a:xfrm>
-      </p:grpSpPr>
-      <p:sp>
-        <p:nvSpPr>
-          <p:cNvPr id="3" name="Title 2"/>
-          <p:cNvSpPr>
-            <a:spLocks noGrp="1"/>
-          </p:cNvSpPr>
-          <p:nvPr>
-            <p:ph type="title"/>
-          </p:nvPr>
-        </p:nvSpPr>
-        <p:spPr>
-          <a:xfrm>
-            <a:off x="304800" y="2209800"/>
-            <a:ext cx="8229600" cy="1143000"/>
-          </a:xfrm>
-        </p:spPr>
-        <p:txBody>
-          <a:bodyPr/>
-          <a:lstStyle/>
-          <a:p>
-            <a:pPr algn="ctr"/>
-            <a:r>
-              <a:rPr lang="pl-PL" dirty="0" smtClean="0"/>
-              <a:t>Co dalej?</a:t>
-            </a:r>
-            <a:endParaRPr lang="pl-PL" dirty="0"/>
-          </a:p>
-        </p:txBody>
-      </p:sp>
-    </p:spTree>
-    <p:extLst>
-      <p:ext uri="{BB962C8B-B14F-4D97-AF65-F5344CB8AC3E}">
-        <p14:creationId xmlns:p14="http://schemas.microsoft.com/office/powerpoint/2010/main" val="1256986482"/>
-      </p:ext>
-    </p:extLst>
-  </p:cSld>
-  <p:clrMapOvr>
-    <a:masterClrMapping/>
-  </p:clrMapOvr>
-  <p:timing>
-    <p:tnLst>
-      <p:par>
-        <p:cTn id="1" dur="indefinite" restart="never" nodeType="tmRoot"/>
-      </p:par>
-    </p:tnLst>
-  </p:timing>
-</p:sld>
-</file>
-
-<file path=ppt/slides/slide21.xml><?xml version="1.0" encoding="utf-8"?>
-<p:sld xmlns:a="http://schemas.openxmlformats.org/drawingml/2006/main" xmlns:r="http://schemas.openxmlformats.org/officeDocument/2006/relationships" xmlns:p="http://schemas.openxmlformats.org/presentationml/2006/main">
-  <p:cSld>
-    <p:spTree>
-      <p:nvGrpSpPr>
-        <p:cNvPr id="1" name=""/>
-        <p:cNvGrpSpPr/>
-        <p:nvPr/>
-      </p:nvGrpSpPr>
-      <p:grpSpPr>
-        <a:xfrm>
-          <a:off x="0" y="0"/>
-          <a:ext cx="0" cy="0"/>
-          <a:chOff x="0" y="0"/>
-          <a:chExt cx="0" cy="0"/>
-        </a:xfrm>
-      </p:grpSpPr>
-      <p:sp>
-        <p:nvSpPr>
-          <p:cNvPr id="2" name="Content Placeholder 1"/>
-          <p:cNvSpPr>
-            <a:spLocks noGrp="1"/>
-          </p:cNvSpPr>
-          <p:nvPr>
-            <p:ph idx="1"/>
-          </p:nvPr>
-        </p:nvSpPr>
-        <p:spPr/>
-        <p:txBody>
-          <a:bodyPr/>
-          <a:lstStyle/>
-          <a:p>
-            <a:r>
-              <a:rPr lang="pl-PL" dirty="0" smtClean="0"/>
-              <a:t>Poprawienie błędów w dotychczasowym kodzie, wprowadzenie ewentualnych modyfikacji i ulepszeń;</a:t>
-            </a:r>
-          </a:p>
-          <a:p>
-            <a:r>
-              <a:rPr lang="pl-PL" dirty="0" smtClean="0"/>
-              <a:t>Dodanie obsługi opcji </a:t>
-            </a:r>
-            <a:r>
-              <a:rPr lang="pl-PL" dirty="0" err="1" smtClean="0"/>
-              <a:t>scheduler</a:t>
-            </a:r>
-            <a:r>
-              <a:rPr lang="pl-PL" dirty="0" smtClean="0"/>
-              <a:t>;</a:t>
-            </a:r>
-          </a:p>
-          <a:p>
-            <a:r>
-              <a:rPr lang="pl-PL" dirty="0" smtClean="0"/>
-              <a:t>Wyświetlanie plików wynikowych;</a:t>
-            </a:r>
-          </a:p>
-          <a:p>
-            <a:r>
-              <a:rPr lang="pl-PL" dirty="0" smtClean="0"/>
-              <a:t>Rozpoczęcie testów automatycznych.</a:t>
-            </a:r>
-            <a:endParaRPr lang="pl-PL" dirty="0" smtClean="0"/>
-          </a:p>
-          <a:p>
-            <a:endParaRPr lang="pl-PL" dirty="0" smtClean="0"/>
-          </a:p>
-        </p:txBody>
-      </p:sp>
-      <p:sp>
-        <p:nvSpPr>
-          <p:cNvPr id="3" name="Title 2"/>
-          <p:cNvSpPr>
-            <a:spLocks noGrp="1"/>
-          </p:cNvSpPr>
-          <p:nvPr>
-            <p:ph type="title"/>
-          </p:nvPr>
-        </p:nvSpPr>
-        <p:spPr/>
-        <p:txBody>
-          <a:bodyPr/>
-          <a:lstStyle/>
-          <a:p>
-            <a:r>
-              <a:rPr lang="pl-PL" dirty="0" smtClean="0"/>
-              <a:t>Kontynuacja projektu</a:t>
-            </a:r>
-            <a:endParaRPr lang="pl-PL" dirty="0"/>
-          </a:p>
-        </p:txBody>
-      </p:sp>
-    </p:spTree>
-    <p:extLst>
-      <p:ext uri="{BB962C8B-B14F-4D97-AF65-F5344CB8AC3E}">
-        <p14:creationId xmlns:p14="http://schemas.microsoft.com/office/powerpoint/2010/main" val="3362999289"/>
+        <p14:creationId xmlns:p14="http://schemas.microsoft.com/office/powerpoint/2010/main" val="3454308603"/>
       </p:ext>
     </p:extLst>
   </p:cSld>
@@ -6062,12 +5762,12 @@
       </p:grpSpPr>
       <p:sp>
         <p:nvSpPr>
-          <p:cNvPr id="2" name="Symbol zastępczy zawartości 1"/>
-          <p:cNvSpPr>
-            <a:spLocks noGrp="1"/>
-          </p:cNvSpPr>
-          <p:nvPr>
-            <p:ph idx="1"/>
+          <p:cNvPr id="3" name="Title 2"/>
+          <p:cNvSpPr>
+            <a:spLocks noGrp="1"/>
+          </p:cNvSpPr>
+          <p:nvPr>
+            <p:ph type="title"/>
           </p:nvPr>
         </p:nvSpPr>
         <p:spPr/>
@@ -6077,69 +5777,134 @@
           <a:p>
             <a:r>
               <a:rPr lang="pl-PL" dirty="0" smtClean="0"/>
-              <a:t>Napisanie skryptu</a:t>
-            </a:r>
-          </a:p>
-          <a:p>
-            <a:r>
-              <a:rPr lang="pl-PL" dirty="0" smtClean="0"/>
-              <a:t>Uruchomienie go w konsoli</a:t>
-            </a:r>
-          </a:p>
-          <a:p>
-            <a:r>
-              <a:rPr lang="pl-PL" dirty="0" smtClean="0"/>
-              <a:t>Samodzielne analizowanie powstałego pliku .</a:t>
-            </a:r>
-            <a:r>
-              <a:rPr lang="pl-PL" dirty="0" err="1" smtClean="0"/>
-              <a:t>csv</a:t>
-            </a:r>
-            <a:endParaRPr lang="pl-PL" dirty="0" smtClean="0"/>
-          </a:p>
-        </p:txBody>
-      </p:sp>
-      <p:sp>
-        <p:nvSpPr>
-          <p:cNvPr id="3" name="Tytuł 2"/>
-          <p:cNvSpPr>
-            <a:spLocks noGrp="1"/>
-          </p:cNvSpPr>
-          <p:nvPr>
-            <p:ph type="title"/>
-          </p:nvPr>
-        </p:nvSpPr>
-        <p:spPr/>
-        <p:txBody>
-          <a:bodyPr/>
-          <a:lstStyle/>
-          <a:p>
-            <a:r>
-              <a:rPr lang="pl-PL" dirty="0" smtClean="0"/>
-              <a:t>Korzystanie z </a:t>
-            </a:r>
-            <a:r>
-              <a:rPr lang="pl-PL" dirty="0" err="1" smtClean="0"/>
-              <a:t>GridLAB</a:t>
-            </a:r>
-            <a:r>
-              <a:rPr lang="pl-PL" dirty="0" smtClean="0"/>
-              <a:t>-D</a:t>
+              <a:t>Główny ekran</a:t>
             </a:r>
             <a:endParaRPr lang="pl-PL" dirty="0"/>
           </a:p>
         </p:txBody>
       </p:sp>
+      <p:pic>
+        <p:nvPicPr>
+          <p:cNvPr id="1026" name="Picture 2" descr="C:\Users\Dylek\Pictures\My Screen Shots\Screen Shot 05-17-16 at 07.18 PM.JPG"/>
+          <p:cNvPicPr>
+            <a:picLocks noChangeAspect="1" noChangeArrowheads="1"/>
+          </p:cNvPicPr>
+          <p:nvPr/>
+        </p:nvPicPr>
+        <p:blipFill>
+          <a:blip r:embed="rId2">
+            <a:extLst>
+              <a:ext uri="{28A0092B-C50C-407E-A947-70E740481C1C}">
+                <a14:useLocalDpi xmlns:a14="http://schemas.microsoft.com/office/drawing/2010/main" val="0"/>
+              </a:ext>
+            </a:extLst>
+          </a:blip>
+          <a:srcRect/>
+          <a:stretch>
+            <a:fillRect/>
+          </a:stretch>
+        </p:blipFill>
+        <p:spPr bwMode="auto">
+          <a:xfrm>
+            <a:off x="152400" y="1447800"/>
+            <a:ext cx="8399624" cy="3886200"/>
+          </a:xfrm>
+          <a:prstGeom prst="rect">
+            <a:avLst/>
+          </a:prstGeom>
+          <a:noFill/>
+          <a:extLst>
+            <a:ext uri="{909E8E84-426E-40DD-AFC4-6F175D3DCCD1}">
+              <a14:hiddenFill xmlns:a14="http://schemas.microsoft.com/office/drawing/2010/main">
+                <a:solidFill>
+                  <a:srgbClr val="FFFFFF"/>
+                </a:solidFill>
+              </a14:hiddenFill>
+            </a:ext>
+          </a:extLst>
+        </p:spPr>
+      </p:pic>
+      <p:pic>
+        <p:nvPicPr>
+          <p:cNvPr id="1027" name="Picture 3"/>
+          <p:cNvPicPr>
+            <a:picLocks noChangeAspect="1" noChangeArrowheads="1"/>
+          </p:cNvPicPr>
+          <p:nvPr/>
+        </p:nvPicPr>
+        <p:blipFill>
+          <a:blip r:embed="rId3">
+            <a:extLst>
+              <a:ext uri="{28A0092B-C50C-407E-A947-70E740481C1C}">
+                <a14:useLocalDpi xmlns:a14="http://schemas.microsoft.com/office/drawing/2010/main" val="0"/>
+              </a:ext>
+            </a:extLst>
+          </a:blip>
+          <a:srcRect/>
+          <a:stretch>
+            <a:fillRect/>
+          </a:stretch>
+        </p:blipFill>
+        <p:spPr bwMode="auto">
+          <a:xfrm>
+            <a:off x="152400" y="1235054"/>
+            <a:ext cx="8818904" cy="4062412"/>
+          </a:xfrm>
+          <a:prstGeom prst="rect">
+            <a:avLst/>
+          </a:prstGeom>
+          <a:noFill/>
+          <a:ln>
+            <a:noFill/>
+          </a:ln>
+          <a:effectLst/>
+          <a:extLst>
+            <a:ext uri="{909E8E84-426E-40DD-AFC4-6F175D3DCCD1}">
+              <a14:hiddenFill xmlns:a14="http://schemas.microsoft.com/office/drawing/2010/main">
+                <a:solidFill>
+                  <a:schemeClr val="accent1"/>
+                </a:solidFill>
+              </a14:hiddenFill>
+            </a:ext>
+            <a:ext uri="{91240B29-F687-4F45-9708-019B960494DF}">
+              <a14:hiddenLine xmlns:a14="http://schemas.microsoft.com/office/drawing/2010/main" w="9525">
+                <a:solidFill>
+                  <a:schemeClr val="tx1"/>
+                </a:solidFill>
+                <a:miter lim="800000"/>
+                <a:headEnd/>
+                <a:tailEnd/>
+              </a14:hiddenLine>
+            </a:ext>
+            <a:ext uri="{AF507438-7753-43E0-B8FC-AC1667EBCBE1}">
+              <a14:hiddenEffects xmlns:a14="http://schemas.microsoft.com/office/drawing/2010/main">
+                <a:effectLst>
+                  <a:outerShdw dist="35921" dir="2700000" algn="ctr" rotWithShape="0">
+                    <a:schemeClr val="bg2"/>
+                  </a:outerShdw>
+                </a:effectLst>
+              </a14:hiddenEffects>
+            </a:ext>
+          </a:extLst>
+        </p:spPr>
+      </p:pic>
     </p:spTree>
     <p:extLst>
       <p:ext uri="{BB962C8B-B14F-4D97-AF65-F5344CB8AC3E}">
-        <p14:creationId xmlns:p14="http://schemas.microsoft.com/office/powerpoint/2010/main" val="3967220298"/>
+        <p14:creationId xmlns:p14="http://schemas.microsoft.com/office/powerpoint/2010/main" val="96658393"/>
       </p:ext>
     </p:extLst>
   </p:cSld>
   <p:clrMapOvr>
     <a:masterClrMapping/>
   </p:clrMapOvr>
+  <p:timing>
+    <p:tnLst>
+      <p:par>
+        <p:cTn id="1" dur="indefinite" restart="never" nodeType="tmRoot"/>
+      </p:par>
+    </p:tnLst>
+  </p:timing>
 </p:sld>
 </file>
 
@@ -6162,74 +5927,28 @@
       </p:grpSpPr>
       <p:sp>
         <p:nvSpPr>
-          <p:cNvPr id="2" name="Symbol zastępczy zawartości 1"/>
-          <p:cNvSpPr>
-            <a:spLocks noGrp="1"/>
-          </p:cNvSpPr>
-          <p:nvPr>
-            <p:ph idx="1"/>
-          </p:nvPr>
-        </p:nvSpPr>
-        <p:spPr/>
+          <p:cNvPr id="3" name="Title 2"/>
+          <p:cNvSpPr>
+            <a:spLocks noGrp="1"/>
+          </p:cNvSpPr>
+          <p:nvPr>
+            <p:ph type="title"/>
+          </p:nvPr>
+        </p:nvSpPr>
+        <p:spPr>
+          <a:xfrm>
+            <a:off x="304800" y="2209800"/>
+            <a:ext cx="8229600" cy="1143000"/>
+          </a:xfrm>
+        </p:spPr>
         <p:txBody>
           <a:bodyPr/>
           <a:lstStyle/>
           <a:p>
+            <a:pPr algn="ctr"/>
             <a:r>
               <a:rPr lang="pl-PL" dirty="0" smtClean="0"/>
-              <a:t>Wymaga dobrej znajomości dokumentacji, </a:t>
-            </a:r>
-            <a:r>
-              <a:rPr lang="pl-PL" dirty="0" err="1" smtClean="0"/>
-              <a:t>wiki</a:t>
-            </a:r>
-            <a:r>
-              <a:rPr lang="pl-PL" dirty="0" smtClean="0"/>
-              <a:t>, języka</a:t>
-            </a:r>
-          </a:p>
-          <a:p>
-            <a:r>
-              <a:rPr lang="pl-PL" dirty="0" smtClean="0"/>
-              <a:t>Tworzenie sieci jest niewygodne, czasochłonne</a:t>
-            </a:r>
-          </a:p>
-          <a:p>
-            <a:r>
-              <a:rPr lang="pl-PL" dirty="0" smtClean="0"/>
-              <a:t>Łatwo popełnić błędy</a:t>
-            </a:r>
-          </a:p>
-          <a:p>
-            <a:r>
-              <a:rPr lang="pl-PL" dirty="0" smtClean="0"/>
-              <a:t>Plik wynikowy jest mało czytelny, wymaga osobnego opracowania przez użytkownika</a:t>
-            </a:r>
-          </a:p>
-        </p:txBody>
-      </p:sp>
-      <p:sp>
-        <p:nvSpPr>
-          <p:cNvPr id="3" name="Tytuł 2"/>
-          <p:cNvSpPr>
-            <a:spLocks noGrp="1"/>
-          </p:cNvSpPr>
-          <p:nvPr>
-            <p:ph type="title"/>
-          </p:nvPr>
-        </p:nvSpPr>
-        <p:spPr/>
-        <p:txBody>
-          <a:bodyPr/>
-          <a:lstStyle/>
-          <a:p>
-            <a:r>
-              <a:rPr lang="pl-PL" dirty="0" smtClean="0"/>
-              <a:t>Problemy z </a:t>
-            </a:r>
-            <a:r>
-              <a:rPr lang="pl-PL" dirty="0" err="1" smtClean="0"/>
-              <a:t>GridLAB</a:t>
+              <a:t>Funkcjonalność</a:t>
             </a:r>
             <a:endParaRPr lang="pl-PL" dirty="0"/>
           </a:p>
@@ -6238,13 +5957,20 @@
     </p:spTree>
     <p:extLst>
       <p:ext uri="{BB962C8B-B14F-4D97-AF65-F5344CB8AC3E}">
-        <p14:creationId xmlns:p14="http://schemas.microsoft.com/office/powerpoint/2010/main" val="3132663463"/>
+        <p14:creationId xmlns:p14="http://schemas.microsoft.com/office/powerpoint/2010/main" val="716364462"/>
       </p:ext>
     </p:extLst>
   </p:cSld>
   <p:clrMapOvr>
     <a:masterClrMapping/>
   </p:clrMapOvr>
+  <p:timing>
+    <p:tnLst>
+      <p:par>
+        <p:cTn id="1" dur="indefinite" restart="never" nodeType="tmRoot"/>
+      </p:par>
+    </p:tnLst>
+  </p:timing>
 </p:sld>
 </file>
 
@@ -6267,7 +5993,7 @@
       </p:grpSpPr>
       <p:sp>
         <p:nvSpPr>
-          <p:cNvPr id="2" name="Symbol zastępczy zawartości 1"/>
+          <p:cNvPr id="2" name="Content Placeholder 1"/>
           <p:cNvSpPr>
             <a:spLocks noGrp="1"/>
           </p:cNvSpPr>
@@ -6280,35 +6006,70 @@
           <a:bodyPr/>
           <a:lstStyle/>
           <a:p>
+            <a:pPr marL="624078" indent="-514350">
+              <a:buFont typeface="+mj-lt"/>
+              <a:buAutoNum type="arabicPeriod"/>
+            </a:pPr>
             <a:r>
               <a:rPr lang="pl-PL" dirty="0" smtClean="0"/>
-              <a:t>Użytkownik nie ma styczności z kodem; kod generuje się automatycznie</a:t>
-            </a:r>
-          </a:p>
-          <a:p>
+              <a:t>Wybierz z </a:t>
+            </a:r>
             <a:r>
               <a:rPr lang="pl-PL" dirty="0" smtClean="0"/>
-              <a:t>Tworzenie sieci jest prostsze, szybsze i łatwe do zrozumienia przez niedoświadczonego użytkownika</a:t>
-            </a:r>
-          </a:p>
-          <a:p>
+              <a:t>toolbox’a po lewej interesujący cię moduł. Po kliknięciu pojawi się lista dostępnych  nim obiektów.</a:t>
+            </a:r>
+            <a:endParaRPr lang="pl-PL" dirty="0" smtClean="0"/>
+          </a:p>
+          <a:p>
+            <a:pPr marL="624078" indent="-514350">
+              <a:buFont typeface="+mj-lt"/>
+              <a:buAutoNum type="arabicPeriod"/>
+            </a:pPr>
             <a:r>
               <a:rPr lang="pl-PL" dirty="0" smtClean="0"/>
-              <a:t>Pozbawia konieczności korzystania z konsoli</a:t>
-            </a:r>
-          </a:p>
-          <a:p>
+              <a:t>Wybierz obiekt, który chcesz utworzyć.</a:t>
+            </a:r>
+            <a:endParaRPr lang="pl-PL" dirty="0" smtClean="0"/>
+          </a:p>
+          <a:p>
+            <a:pPr marL="624078" indent="-514350">
+              <a:buFont typeface="+mj-lt"/>
+              <a:buAutoNum type="arabicPeriod"/>
+            </a:pPr>
             <a:r>
               <a:rPr lang="pl-PL" dirty="0" smtClean="0"/>
-              <a:t>Jednym przyciskiem generuje łatwe w analizie wykresy</a:t>
-            </a:r>
+              <a:t>Obiekt pojawi się na polu, w którym można nim przesuwać.</a:t>
+            </a:r>
+          </a:p>
+          <a:p>
+            <a:pPr marL="624078" indent="-514350">
+              <a:buFont typeface="+mj-lt"/>
+              <a:buAutoNum type="arabicPeriod"/>
+            </a:pPr>
+            <a:r>
+              <a:rPr lang="pl-PL" dirty="0" smtClean="0"/>
+              <a:t>Źle </a:t>
+            </a:r>
+            <a:r>
+              <a:rPr lang="pl-PL" dirty="0" smtClean="0"/>
+              <a:t>wybrany obiekt można usunąć przyciskiem „-”.</a:t>
+            </a:r>
+          </a:p>
+          <a:p>
+            <a:pPr marL="624078" indent="-514350">
+              <a:buFont typeface="+mj-lt"/>
+              <a:buAutoNum type="arabicPeriod"/>
+            </a:pPr>
+            <a:endParaRPr lang="pl-PL" dirty="0" smtClean="0"/>
+          </a:p>
+          <a:p>
             <a:endParaRPr lang="pl-PL" dirty="0"/>
           </a:p>
         </p:txBody>
       </p:sp>
       <p:sp>
         <p:nvSpPr>
-          <p:cNvPr id="3" name="Tytuł 2"/>
+          <p:cNvPr id="3" name="Title 2"/>
           <p:cNvSpPr>
             <a:spLocks noGrp="1"/>
           </p:cNvSpPr>
@@ -6318,12 +6079,19 @@
         </p:nvSpPr>
         <p:spPr/>
         <p:txBody>
-          <a:bodyPr/>
+          <a:bodyPr>
+            <a:normAutofit fontScale="90000"/>
+          </a:bodyPr>
           <a:lstStyle/>
           <a:p>
+            <a:pPr marL="109728" indent="0"/>
+            <a:r>
+              <a:rPr lang="pl-PL" dirty="0"/>
+              <a:t>Schemat dodawania obiektu do </a:t>
+            </a:r>
             <a:r>
               <a:rPr lang="pl-PL" dirty="0" smtClean="0"/>
-              <a:t>Co daje interfejs graficzny?</a:t>
+              <a:t>modelu:</a:t>
             </a:r>
             <a:endParaRPr lang="pl-PL" dirty="0"/>
           </a:p>
@@ -6332,13 +6100,20 @@
     </p:spTree>
     <p:extLst>
       <p:ext uri="{BB962C8B-B14F-4D97-AF65-F5344CB8AC3E}">
-        <p14:creationId xmlns:p14="http://schemas.microsoft.com/office/powerpoint/2010/main" val="1240065101"/>
+        <p14:creationId xmlns:p14="http://schemas.microsoft.com/office/powerpoint/2010/main" val="1541505849"/>
       </p:ext>
     </p:extLst>
   </p:cSld>
   <p:clrMapOvr>
     <a:masterClrMapping/>
   </p:clrMapOvr>
+  <p:timing>
+    <p:tnLst>
+      <p:par>
+        <p:cTn id="1" dur="indefinite" restart="never" nodeType="tmRoot"/>
+      </p:par>
+    </p:tnLst>
+  </p:timing>
 </p:sld>
 </file>
 
@@ -6359,39 +6134,92 @@
           <a:chExt cx="0" cy="0"/>
         </a:xfrm>
       </p:grpSpPr>
-      <p:sp>
-        <p:nvSpPr>
-          <p:cNvPr id="3" name="Title 2"/>
-          <p:cNvSpPr>
-            <a:spLocks noGrp="1"/>
-          </p:cNvSpPr>
-          <p:nvPr>
-            <p:ph type="title"/>
-          </p:nvPr>
-        </p:nvSpPr>
-        <p:spPr>
+      <p:pic>
+        <p:nvPicPr>
+          <p:cNvPr id="4099" name="Picture 3" descr="C:\Users\Dylek\Pictures\My Screen Shots\Screen Shot 05-17-16 at 07.47 PM.JPG"/>
+          <p:cNvPicPr>
+            <a:picLocks noChangeAspect="1" noChangeArrowheads="1"/>
+          </p:cNvPicPr>
+          <p:nvPr/>
+        </p:nvPicPr>
+        <p:blipFill>
+          <a:blip r:embed="rId2">
+            <a:extLst>
+              <a:ext uri="{28A0092B-C50C-407E-A947-70E740481C1C}">
+                <a14:useLocalDpi xmlns:a14="http://schemas.microsoft.com/office/drawing/2010/main" val="0"/>
+              </a:ext>
+            </a:extLst>
+          </a:blip>
+          <a:srcRect/>
+          <a:stretch>
+            <a:fillRect/>
+          </a:stretch>
+        </p:blipFill>
+        <p:spPr bwMode="auto">
           <a:xfrm>
-            <a:off x="304800" y="2209800"/>
-            <a:ext cx="8229600" cy="1143000"/>
+            <a:off x="152510" y="990600"/>
+            <a:ext cx="4077004" cy="4354621"/>
           </a:xfrm>
+          <a:prstGeom prst="rect">
+            <a:avLst/>
+          </a:prstGeom>
+          <a:noFill/>
+          <a:extLst>
+            <a:ext uri="{909E8E84-426E-40DD-AFC4-6F175D3DCCD1}">
+              <a14:hiddenFill xmlns:a14="http://schemas.microsoft.com/office/drawing/2010/main">
+                <a:solidFill>
+                  <a:srgbClr val="FFFFFF"/>
+                </a:solidFill>
+              </a14:hiddenFill>
+            </a:ext>
+          </a:extLst>
         </p:spPr>
-        <p:txBody>
-          <a:bodyPr/>
-          <a:lstStyle/>
-          <a:p>
-            <a:pPr algn="ctr"/>
-            <a:r>
-              <a:rPr lang="pl-PL" dirty="0" smtClean="0"/>
-              <a:t>Nasze GUI</a:t>
-            </a:r>
-            <a:endParaRPr lang="pl-PL" dirty="0"/>
-          </a:p>
-        </p:txBody>
-      </p:sp>
+      </p:pic>
+      <p:pic>
+        <p:nvPicPr>
+          <p:cNvPr id="4100" name="Picture 4" descr="C:\Users\Dylek\Pictures\My Screen Shots\Screen Shot 05-17-16 at 07.48 PM.JPG"/>
+          <p:cNvPicPr>
+            <a:picLocks noChangeAspect="1" noChangeArrowheads="1"/>
+          </p:cNvPicPr>
+          <p:nvPr/>
+        </p:nvPicPr>
+        <p:blipFill>
+          <a:blip r:embed="rId3">
+            <a:extLst>
+              <a:ext uri="{28A0092B-C50C-407E-A947-70E740481C1C}">
+                <a14:useLocalDpi xmlns:a14="http://schemas.microsoft.com/office/drawing/2010/main" val="0"/>
+              </a:ext>
+            </a:extLst>
+          </a:blip>
+          <a:srcRect/>
+          <a:stretch>
+            <a:fillRect/>
+          </a:stretch>
+        </p:blipFill>
+        <p:spPr bwMode="auto">
+          <a:xfrm>
+            <a:off x="4343400" y="962466"/>
+            <a:ext cx="4083267" cy="4410887"/>
+          </a:xfrm>
+          <a:prstGeom prst="rect">
+            <a:avLst/>
+          </a:prstGeom>
+          <a:noFill/>
+          <a:extLst>
+            <a:ext uri="{909E8E84-426E-40DD-AFC4-6F175D3DCCD1}">
+              <a14:hiddenFill xmlns:a14="http://schemas.microsoft.com/office/drawing/2010/main">
+                <a:solidFill>
+                  <a:srgbClr val="FFFFFF"/>
+                </a:solidFill>
+              </a14:hiddenFill>
+            </a:ext>
+          </a:extLst>
+        </p:spPr>
+      </p:pic>
     </p:spTree>
     <p:extLst>
       <p:ext uri="{BB962C8B-B14F-4D97-AF65-F5344CB8AC3E}">
-        <p14:creationId xmlns:p14="http://schemas.microsoft.com/office/powerpoint/2010/main" val="1800060009"/>
+        <p14:creationId xmlns:p14="http://schemas.microsoft.com/office/powerpoint/2010/main" val="2146006656"/>
       </p:ext>
     </p:extLst>
   </p:cSld>
@@ -6440,32 +6268,46 @@
           <a:bodyPr/>
           <a:lstStyle/>
           <a:p>
+            <a:pPr marL="624078" indent="-514350">
+              <a:buFont typeface="+mj-lt"/>
+              <a:buAutoNum type="arabicPeriod"/>
+            </a:pPr>
             <a:r>
               <a:rPr lang="pl-PL" dirty="0" smtClean="0"/>
-              <a:t>Z użuciem kodu źródłowego: </a:t>
+              <a:t>Klikamy </a:t>
             </a:r>
             <a:r>
               <a:rPr lang="pl-PL" dirty="0" smtClean="0"/>
-              <a:t>kompilujemy </a:t>
-            </a:r>
+              <a:t>obiekt, którego właściwości chcemy zmienić.</a:t>
+            </a:r>
+          </a:p>
+          <a:p>
+            <a:pPr marL="624078" indent="-514350">
+              <a:buFont typeface="+mj-lt"/>
+              <a:buAutoNum type="arabicPeriod"/>
+            </a:pPr>
             <a:r>
               <a:rPr lang="pl-PL" dirty="0" smtClean="0"/>
-              <a:t>klasę GridalbGUI.java</a:t>
-            </a:r>
-          </a:p>
-          <a:p>
+              <a:t>Pojawia się panel właściwości obiektu.</a:t>
+            </a:r>
+          </a:p>
+          <a:p>
+            <a:pPr marL="624078" indent="-514350">
+              <a:buFont typeface="+mj-lt"/>
+              <a:buAutoNum type="arabicPeriod"/>
+            </a:pPr>
             <a:r>
               <a:rPr lang="pl-PL" dirty="0" smtClean="0"/>
-              <a:t>Deskopowo: </a:t>
-            </a:r>
-            <a:r>
-              <a:rPr lang="pl-PL" dirty="0" smtClean="0"/>
-              <a:t>uruchamiamy </a:t>
-            </a:r>
-            <a:r>
-              <a:rPr lang="pl-PL" dirty="0" smtClean="0"/>
-              <a:t>aplikację gridlabdGUI.jar</a:t>
-            </a:r>
+              <a:t>Zmiany zapisują się automatycznie przy przejściu od wyświetlania cech jednego obiektu do cech drugiego lub po kolejnym kliknięciu w obiekt.</a:t>
+            </a:r>
+            <a:endParaRPr lang="pl-PL" dirty="0" smtClean="0"/>
+          </a:p>
+          <a:p>
+            <a:pPr marL="624078" indent="-514350">
+              <a:buFont typeface="+mj-lt"/>
+              <a:buAutoNum type="arabicPeriod"/>
+            </a:pPr>
+            <a:endParaRPr lang="pl-PL" dirty="0"/>
           </a:p>
         </p:txBody>
       </p:sp>
@@ -6486,11 +6328,7 @@
           <a:p>
             <a:r>
               <a:rPr lang="pl-PL" dirty="0" smtClean="0"/>
-              <a:t>Uruchamianie </a:t>
-            </a:r>
-            <a:r>
-              <a:rPr lang="pl-PL" dirty="0" smtClean="0"/>
-              <a:t>aplikacji</a:t>
+              <a:t>Zmienianie właściwości obiektu</a:t>
             </a:r>
             <a:endParaRPr lang="pl-PL" dirty="0"/>
           </a:p>
@@ -6499,7 +6337,7 @@
     </p:spTree>
     <p:extLst>
       <p:ext uri="{BB962C8B-B14F-4D97-AF65-F5344CB8AC3E}">
-        <p14:creationId xmlns:p14="http://schemas.microsoft.com/office/powerpoint/2010/main" val="3454308603"/>
+        <p14:creationId xmlns:p14="http://schemas.microsoft.com/office/powerpoint/2010/main" val="1247509109"/>
       </p:ext>
     </p:extLst>
   </p:cSld>
@@ -6533,34 +6371,11 @@
           <a:chExt cx="0" cy="0"/>
         </a:xfrm>
       </p:grpSpPr>
-      <p:sp>
-        <p:nvSpPr>
-          <p:cNvPr id="3" name="Title 2"/>
-          <p:cNvSpPr>
-            <a:spLocks noGrp="1"/>
-          </p:cNvSpPr>
-          <p:nvPr>
-            <p:ph type="title"/>
-          </p:nvPr>
-        </p:nvSpPr>
-        <p:spPr/>
-        <p:txBody>
-          <a:bodyPr/>
-          <a:lstStyle/>
-          <a:p>
-            <a:r>
-              <a:rPr lang="pl-PL" dirty="0" smtClean="0"/>
-              <a:t>Główny ekran</a:t>
-            </a:r>
-            <a:endParaRPr lang="pl-PL" dirty="0"/>
-          </a:p>
-        </p:txBody>
-      </p:sp>
       <p:pic>
         <p:nvPicPr>
-          <p:cNvPr id="2" name="Obraz 1"/>
+          <p:cNvPr id="5122" name="Picture 2" descr="C:\Users\Dylek\Pictures\My Screen Shots\Screen Shot 05-17-16 at 07.27 PM 001.JPG"/>
           <p:cNvPicPr>
-            <a:picLocks noChangeAspect="1"/>
+            <a:picLocks noChangeAspect="1" noChangeArrowheads="1"/>
           </p:cNvPicPr>
           <p:nvPr/>
         </p:nvPicPr>
@@ -6572,24 +6387,35 @@
               </a:ext>
             </a:extLst>
           </a:blip>
+          <a:srcRect/>
           <a:stretch>
             <a:fillRect/>
           </a:stretch>
         </p:blipFill>
-        <p:spPr>
+        <p:spPr bwMode="auto">
           <a:xfrm>
-            <a:off x="0" y="1302163"/>
-            <a:ext cx="9144000" cy="4253674"/>
+            <a:off x="914400" y="533400"/>
+            <a:ext cx="6286500" cy="5305425"/>
           </a:xfrm>
           <a:prstGeom prst="rect">
             <a:avLst/>
           </a:prstGeom>
+          <a:noFill/>
+          <a:extLst>
+            <a:ext uri="{909E8E84-426E-40DD-AFC4-6F175D3DCCD1}">
+              <a14:hiddenFill xmlns:a14="http://schemas.microsoft.com/office/drawing/2010/main">
+                <a:solidFill>
+                  <a:srgbClr val="FFFFFF"/>
+                </a:solidFill>
+              </a14:hiddenFill>
+            </a:ext>
+          </a:extLst>
         </p:spPr>
       </p:pic>
     </p:spTree>
     <p:extLst>
       <p:ext uri="{BB962C8B-B14F-4D97-AF65-F5344CB8AC3E}">
-        <p14:creationId xmlns:p14="http://schemas.microsoft.com/office/powerpoint/2010/main" val="96658393"/>
+        <p14:creationId xmlns:p14="http://schemas.microsoft.com/office/powerpoint/2010/main" val="1940506222"/>
       </p:ext>
     </p:extLst>
   </p:cSld>
@@ -6625,37 +6451,107 @@
       </p:grpSpPr>
       <p:sp>
         <p:nvSpPr>
-          <p:cNvPr id="3" name="Title 2"/>
-          <p:cNvSpPr>
-            <a:spLocks noGrp="1"/>
-          </p:cNvSpPr>
-          <p:nvPr>
-            <p:ph type="title"/>
-          </p:nvPr>
-        </p:nvSpPr>
-        <p:spPr>
-          <a:xfrm>
-            <a:off x="304800" y="2209800"/>
-            <a:ext cx="8229600" cy="1143000"/>
-          </a:xfrm>
-        </p:spPr>
+          <p:cNvPr id="2" name="Content Placeholder 1"/>
+          <p:cNvSpPr>
+            <a:spLocks noGrp="1"/>
+          </p:cNvSpPr>
+          <p:nvPr>
+            <p:ph idx="1"/>
+          </p:nvPr>
+        </p:nvSpPr>
+        <p:spPr/>
         <p:txBody>
           <a:bodyPr/>
           <a:lstStyle/>
           <a:p>
-            <a:pPr algn="ctr"/>
             <a:r>
               <a:rPr lang="pl-PL" dirty="0" smtClean="0"/>
-              <a:t>Funkcjonalność</a:t>
+              <a:t>Z menu wybieramy zakładkę GLM</a:t>
+            </a:r>
+          </a:p>
+          <a:p>
+            <a:r>
+              <a:rPr lang="pl-PL" dirty="0" smtClean="0"/>
+              <a:t>Z listy opcji wybieramy Export To GLM</a:t>
+            </a:r>
+          </a:p>
+          <a:p>
+            <a:r>
+              <a:rPr lang="pl-PL" dirty="0" smtClean="0"/>
+              <a:t>Pojawi się okno w którym wybieramy, gdzie  i pod jaką nazwą ma zostać utworzony plik GLM.</a:t>
             </a:r>
             <a:endParaRPr lang="pl-PL" dirty="0"/>
           </a:p>
         </p:txBody>
       </p:sp>
+      <p:sp>
+        <p:nvSpPr>
+          <p:cNvPr id="3" name="Title 2"/>
+          <p:cNvSpPr>
+            <a:spLocks noGrp="1"/>
+          </p:cNvSpPr>
+          <p:nvPr>
+            <p:ph type="title"/>
+          </p:nvPr>
+        </p:nvSpPr>
+        <p:spPr/>
+        <p:txBody>
+          <a:bodyPr/>
+          <a:lstStyle/>
+          <a:p>
+            <a:r>
+              <a:rPr lang="pl-PL" dirty="0" smtClean="0"/>
+              <a:t>Generowanie pliku .glm</a:t>
+            </a:r>
+            <a:endParaRPr lang="pl-PL" dirty="0"/>
+          </a:p>
+        </p:txBody>
+      </p:sp>
+      <p:pic>
+        <p:nvPicPr>
+          <p:cNvPr id="2050" name="Picture 2" descr="C:\Users\Dylek\Pictures\My Screen Shots\Screen Shot 05-17-16 at 07.01 PM 003.JPG"/>
+          <p:cNvPicPr>
+            <a:picLocks noChangeAspect="1" noChangeArrowheads="1"/>
+          </p:cNvPicPr>
+          <p:nvPr/>
+        </p:nvPicPr>
+        <p:blipFill>
+          <a:blip r:embed="rId2">
+            <a:extLst>
+              <a:ext uri="{28A0092B-C50C-407E-A947-70E740481C1C}">
+                <a14:useLocalDpi xmlns:a14="http://schemas.microsoft.com/office/drawing/2010/main" val="0"/>
+              </a:ext>
+            </a:extLst>
+          </a:blip>
+          <a:srcRect/>
+          <a:stretch>
+            <a:fillRect/>
+          </a:stretch>
+        </p:blipFill>
+        <p:spPr bwMode="auto">
+          <a:xfrm>
+            <a:off x="2590800" y="3886200"/>
+            <a:ext cx="3289300" cy="1841293"/>
+          </a:xfrm>
+          <a:prstGeom prst="rect">
+            <a:avLst/>
+          </a:prstGeom>
+          <a:noFill/>
+          <a:extLst>
+            <a:ext uri="{909E8E84-426E-40DD-AFC4-6F175D3DCCD1}">
+              <a14:hiddenFill xmlns:a14="http://schemas.microsoft.com/office/drawing/2010/main">
+                <a:solidFill>
+                  <a:srgbClr val="FFFFFF"/>
+                </a:solidFill>
+              </a14:hiddenFill>
+            </a:ext>
+          </a:extLst>
+        </p:spPr>
+      </p:pic>
     </p:spTree>
     <p:extLst>
       <p:ext uri="{BB962C8B-B14F-4D97-AF65-F5344CB8AC3E}">
-        <p14:creationId xmlns:p14="http://schemas.microsoft.com/office/powerpoint/2010/main" val="716364462"/>
+        <p14:creationId xmlns:p14="http://schemas.microsoft.com/office/powerpoint/2010/main" val="1336825999"/>
       </p:ext>
     </p:extLst>
   </p:cSld>

--- a/prototyp 2.pptx
+++ b/prototyp 2.pptx
@@ -17,10 +17,9 @@
     <p:sldId id="262" r:id="rId11"/>
     <p:sldId id="284" r:id="rId12"/>
     <p:sldId id="287" r:id="rId13"/>
-    <p:sldId id="286" r:id="rId14"/>
-    <p:sldId id="282" r:id="rId15"/>
-    <p:sldId id="283" r:id="rId16"/>
-    <p:sldId id="288" r:id="rId17"/>
+    <p:sldId id="282" r:id="rId14"/>
+    <p:sldId id="283" r:id="rId15"/>
+    <p:sldId id="288" r:id="rId16"/>
   </p:sldIdLst>
   <p:sldSz cx="9144000" cy="6858000" type="screen4x3"/>
   <p:notesSz cx="6858000" cy="9144000"/>
@@ -748,7 +747,7 @@
             <a:fld id="{1D8BD707-D9CF-40AE-B4C6-C98DA3205C09}" type="datetimeFigureOut">
               <a:rPr lang="en-US" smtClean="0"/>
               <a:pPr/>
-              <a:t>5/17/2016</a:t>
+              <a:t>5/18/2016</a:t>
             </a:fld>
             <a:endParaRPr lang="en-US"/>
           </a:p>
@@ -946,7 +945,7 @@
             <a:fld id="{1D8BD707-D9CF-40AE-B4C6-C98DA3205C09}" type="datetimeFigureOut">
               <a:rPr lang="en-US" smtClean="0"/>
               <a:pPr/>
-              <a:t>5/17/2016</a:t>
+              <a:t>5/18/2016</a:t>
             </a:fld>
             <a:endParaRPr lang="en-US"/>
           </a:p>
@@ -1133,7 +1132,7 @@
             <a:fld id="{1D8BD707-D9CF-40AE-B4C6-C98DA3205C09}" type="datetimeFigureOut">
               <a:rPr lang="en-US" smtClean="0"/>
               <a:pPr/>
-              <a:t>5/17/2016</a:t>
+              <a:t>5/18/2016</a:t>
             </a:fld>
             <a:endParaRPr lang="en-US"/>
           </a:p>
@@ -1285,7 +1284,7 @@
             <a:fld id="{1D8BD707-D9CF-40AE-B4C6-C98DA3205C09}" type="datetimeFigureOut">
               <a:rPr lang="en-US" smtClean="0"/>
               <a:pPr/>
-              <a:t>5/17/2016</a:t>
+              <a:t>5/18/2016</a:t>
             </a:fld>
             <a:endParaRPr lang="en-US"/>
           </a:p>
@@ -1542,7 +1541,7 @@
             <a:fld id="{1D8BD707-D9CF-40AE-B4C6-C98DA3205C09}" type="datetimeFigureOut">
               <a:rPr lang="en-US" smtClean="0"/>
               <a:pPr/>
-              <a:t>5/17/2016</a:t>
+              <a:t>5/18/2016</a:t>
             </a:fld>
             <a:endParaRPr lang="en-US"/>
           </a:p>
@@ -1953,7 +1952,7 @@
             <a:fld id="{1D8BD707-D9CF-40AE-B4C6-C98DA3205C09}" type="datetimeFigureOut">
               <a:rPr lang="en-US" smtClean="0"/>
               <a:pPr/>
-              <a:t>5/17/2016</a:t>
+              <a:t>5/18/2016</a:t>
             </a:fld>
             <a:endParaRPr lang="en-US"/>
           </a:p>
@@ -2401,7 +2400,7 @@
             <a:fld id="{1D8BD707-D9CF-40AE-B4C6-C98DA3205C09}" type="datetimeFigureOut">
               <a:rPr lang="en-US" smtClean="0"/>
               <a:pPr/>
-              <a:t>5/17/2016</a:t>
+              <a:t>5/18/2016</a:t>
             </a:fld>
             <a:endParaRPr lang="en-US"/>
           </a:p>
@@ -2504,7 +2503,7 @@
             <a:fld id="{1D8BD707-D9CF-40AE-B4C6-C98DA3205C09}" type="datetimeFigureOut">
               <a:rPr lang="en-US" smtClean="0"/>
               <a:pPr/>
-              <a:t>5/17/2016</a:t>
+              <a:t>5/18/2016</a:t>
             </a:fld>
             <a:endParaRPr lang="en-US"/>
           </a:p>
@@ -2627,7 +2626,7 @@
             <a:fld id="{1D8BD707-D9CF-40AE-B4C6-C98DA3205C09}" type="datetimeFigureOut">
               <a:rPr lang="en-US" smtClean="0"/>
               <a:pPr/>
-              <a:t>5/17/2016</a:t>
+              <a:t>5/18/2016</a:t>
             </a:fld>
             <a:endParaRPr lang="en-US"/>
           </a:p>
@@ -2903,7 +2902,7 @@
             <a:fld id="{1D8BD707-D9CF-40AE-B4C6-C98DA3205C09}" type="datetimeFigureOut">
               <a:rPr lang="en-US" smtClean="0"/>
               <a:pPr/>
-              <a:t>5/17/2016</a:t>
+              <a:t>5/18/2016</a:t>
             </a:fld>
             <a:endParaRPr lang="en-US"/>
           </a:p>
@@ -3110,7 +3109,7 @@
             <a:fld id="{1D8BD707-D9CF-40AE-B4C6-C98DA3205C09}" type="datetimeFigureOut">
               <a:rPr lang="en-US" smtClean="0"/>
               <a:pPr/>
-              <a:t>5/17/2016</a:t>
+              <a:t>5/18/2016</a:t>
             </a:fld>
             <a:endParaRPr lang="en-US"/>
           </a:p>
@@ -4221,7 +4220,7 @@
             <a:fld id="{1D8BD707-D9CF-40AE-B4C6-C98DA3205C09}" type="datetimeFigureOut">
               <a:rPr lang="en-US" smtClean="0"/>
               <a:pPr/>
-              <a:t>5/17/2016</a:t>
+              <a:t>5/18/2016</a:t>
             </a:fld>
             <a:endParaRPr lang="en-US"/>
           </a:p>
@@ -4653,11 +4652,7 @@
             </a:br>
             <a:r>
               <a:rPr lang="pl-PL" dirty="0" smtClean="0"/>
-              <a:t>PROTOTYP </a:t>
-            </a:r>
-            <a:r>
-              <a:rPr lang="pl-PL" dirty="0" smtClean="0"/>
-              <a:t>2</a:t>
+              <a:t>PROTOTYP 2</a:t>
             </a:r>
             <a:endParaRPr lang="pl-PL" dirty="0"/>
           </a:p>
@@ -4900,7 +4895,15 @@
           <a:p>
             <a:r>
               <a:rPr lang="pl-PL" dirty="0" smtClean="0"/>
-              <a:t>Nasze GUI pokazuje także, komunikaty konsoli po uruchomieniu skryptu.</a:t>
+              <a:t>Nasze GUI pokazuje </a:t>
+            </a:r>
+            <a:r>
+              <a:rPr lang="pl-PL" dirty="0" smtClean="0"/>
+              <a:t>także </a:t>
+            </a:r>
+            <a:r>
+              <a:rPr lang="pl-PL" dirty="0" smtClean="0"/>
+              <a:t>komunikaty konsoli po uruchomieniu skryptu.</a:t>
             </a:r>
             <a:endParaRPr lang="pl-PL" dirty="0"/>
           </a:p>
@@ -4923,7 +4926,11 @@
           <a:p>
             <a:r>
               <a:rPr lang="pl-PL" dirty="0" smtClean="0"/>
-              <a:t>Wyśjcie konsoli</a:t>
+              <a:t>Wyjście </a:t>
+            </a:r>
+            <a:r>
+              <a:rPr lang="pl-PL" dirty="0" smtClean="0"/>
+              <a:t>konsoli</a:t>
             </a:r>
             <a:endParaRPr lang="pl-PL" dirty="0"/>
           </a:p>
@@ -4954,70 +4961,6 @@
           <a:xfrm>
             <a:off x="1828800" y="2438400"/>
             <a:ext cx="4914900" cy="2381250"/>
-          </a:xfrm>
-          <a:prstGeom prst="rect">
-            <a:avLst/>
-          </a:prstGeom>
-          <a:noFill/>
-          <a:ln>
-            <a:noFill/>
-          </a:ln>
-          <a:effectLst/>
-          <a:extLst>
-            <a:ext uri="{909E8E84-426E-40DD-AFC4-6F175D3DCCD1}">
-              <a14:hiddenFill xmlns:a14="http://schemas.microsoft.com/office/drawing/2010/main">
-                <a:solidFill>
-                  <a:schemeClr val="accent1"/>
-                </a:solidFill>
-              </a14:hiddenFill>
-            </a:ext>
-            <a:ext uri="{91240B29-F687-4F45-9708-019B960494DF}">
-              <a14:hiddenLine xmlns:a14="http://schemas.microsoft.com/office/drawing/2010/main" w="9525">
-                <a:solidFill>
-                  <a:schemeClr val="tx1"/>
-                </a:solidFill>
-                <a:miter lim="800000"/>
-                <a:headEnd/>
-                <a:tailEnd/>
-              </a14:hiddenLine>
-            </a:ext>
-            <a:ext uri="{AF507438-7753-43E0-B8FC-AC1667EBCBE1}">
-              <a14:hiddenEffects xmlns:a14="http://schemas.microsoft.com/office/drawing/2010/main">
-                <a:effectLst>
-                  <a:outerShdw dist="35921" dir="2700000" algn="ctr" rotWithShape="0">
-                    <a:schemeClr val="bg2"/>
-                  </a:outerShdw>
-                </a:effectLst>
-              </a14:hiddenEffects>
-            </a:ext>
-          </a:extLst>
-        </p:spPr>
-      </p:pic>
-      <p:pic>
-        <p:nvPicPr>
-          <p:cNvPr id="6149" name="Picture 5"/>
-          <p:cNvPicPr>
-            <a:picLocks noChangeAspect="1" noChangeArrowheads="1"/>
-          </p:cNvPicPr>
-          <p:nvPr/>
-        </p:nvPicPr>
-        <p:blipFill>
-          <a:blip r:embed="rId3">
-            <a:extLst>
-              <a:ext uri="{28A0092B-C50C-407E-A947-70E740481C1C}">
-                <a14:useLocalDpi xmlns:a14="http://schemas.microsoft.com/office/drawing/2010/main" val="0"/>
-              </a:ext>
-            </a:extLst>
-          </a:blip>
-          <a:srcRect/>
-          <a:stretch>
-            <a:fillRect/>
-          </a:stretch>
-        </p:blipFill>
-        <p:spPr bwMode="auto">
-          <a:xfrm>
-            <a:off x="1828800" y="5010150"/>
-            <a:ext cx="5019675" cy="1257300"/>
           </a:xfrm>
           <a:prstGeom prst="rect">
             <a:avLst/>
@@ -5117,7 +5060,15 @@
           <a:p>
             <a:r>
               <a:rPr lang="pl-PL" dirty="0" smtClean="0"/>
-              <a:t>W oknie, któe się wyświetli wybieramy połączenie typu rodzic-dziecko.</a:t>
+              <a:t>Po kliknięciu pojawia się okno, w którym</a:t>
+            </a:r>
+            <a:r>
+              <a:rPr lang="pl-PL" dirty="0" smtClean="0"/>
+              <a:t> </a:t>
+            </a:r>
+            <a:r>
+              <a:rPr lang="pl-PL" dirty="0" smtClean="0"/>
+              <a:t>wybieramy połączenie typu rodzic-dziecko.</a:t>
             </a:r>
             <a:endParaRPr lang="pl-PL" dirty="0"/>
           </a:p>
@@ -5154,7 +5105,7 @@
           </p:cNvPicPr>
           <p:nvPr/>
         </p:nvPicPr>
-        <p:blipFill>
+        <p:blipFill rotWithShape="1">
           <a:blip r:embed="rId2">
             <a:extLst>
               <a:ext uri="{28A0092B-C50C-407E-A947-70E740481C1C}">
@@ -5162,15 +5113,13 @@
               </a:ext>
             </a:extLst>
           </a:blip>
-          <a:srcRect/>
-          <a:stretch>
-            <a:fillRect/>
-          </a:stretch>
+          <a:srcRect l="1" r="244"/>
+          <a:stretch/>
         </p:blipFill>
         <p:spPr bwMode="auto">
           <a:xfrm>
             <a:off x="838200" y="3048000"/>
-            <a:ext cx="3429000" cy="2133600"/>
+            <a:ext cx="3420649" cy="2133600"/>
           </a:xfrm>
           <a:prstGeom prst="rect">
             <a:avLst/>
@@ -5313,41 +5262,28 @@
       </p:grpSpPr>
       <p:sp>
         <p:nvSpPr>
-          <p:cNvPr id="2" name="Content Placeholder 1"/>
-          <p:cNvSpPr>
-            <a:spLocks noGrp="1"/>
-          </p:cNvSpPr>
-          <p:nvPr>
-            <p:ph idx="1"/>
-          </p:nvPr>
-        </p:nvSpPr>
-        <p:spPr/>
+          <p:cNvPr id="3" name="Title 2"/>
+          <p:cNvSpPr>
+            <a:spLocks noGrp="1"/>
+          </p:cNvSpPr>
+          <p:nvPr>
+            <p:ph type="title"/>
+          </p:nvPr>
+        </p:nvSpPr>
+        <p:spPr>
+          <a:xfrm>
+            <a:off x="304800" y="2209800"/>
+            <a:ext cx="8229600" cy="1143000"/>
+          </a:xfrm>
+        </p:spPr>
         <p:txBody>
           <a:bodyPr/>
           <a:lstStyle/>
           <a:p>
-            <a:endParaRPr lang="pl-PL"/>
-          </a:p>
-        </p:txBody>
-      </p:sp>
-      <p:sp>
-        <p:nvSpPr>
-          <p:cNvPr id="3" name="Title 2"/>
-          <p:cNvSpPr>
-            <a:spLocks noGrp="1"/>
-          </p:cNvSpPr>
-          <p:nvPr>
-            <p:ph type="title"/>
-          </p:nvPr>
-        </p:nvSpPr>
-        <p:spPr/>
-        <p:txBody>
-          <a:bodyPr/>
-          <a:lstStyle/>
-          <a:p>
-            <a:r>
-              <a:rPr lang="pl-PL" dirty="0" smtClean="0"/>
-              <a:t>Wyniki testów</a:t>
+            <a:pPr algn="ctr"/>
+            <a:r>
+              <a:rPr lang="pl-PL" dirty="0" smtClean="0"/>
+              <a:t>Co dalej?</a:t>
             </a:r>
             <a:endParaRPr lang="pl-PL" dirty="0"/>
           </a:p>
@@ -5356,7 +5292,7 @@
     </p:spTree>
     <p:extLst>
       <p:ext uri="{BB962C8B-B14F-4D97-AF65-F5344CB8AC3E}">
-        <p14:creationId xmlns:p14="http://schemas.microsoft.com/office/powerpoint/2010/main" val="3671698965"/>
+        <p14:creationId xmlns:p14="http://schemas.microsoft.com/office/powerpoint/2010/main" val="1256986482"/>
       </p:ext>
     </p:extLst>
   </p:cSld>
@@ -5392,132 +5328,65 @@
       </p:grpSpPr>
       <p:sp>
         <p:nvSpPr>
-          <p:cNvPr id="3" name="Title 2"/>
-          <p:cNvSpPr>
-            <a:spLocks noGrp="1"/>
-          </p:cNvSpPr>
-          <p:nvPr>
-            <p:ph type="title"/>
-          </p:nvPr>
-        </p:nvSpPr>
-        <p:spPr>
-          <a:xfrm>
-            <a:off x="304800" y="2209800"/>
-            <a:ext cx="8229600" cy="1143000"/>
-          </a:xfrm>
-        </p:spPr>
+          <p:cNvPr id="2" name="Content Placeholder 1"/>
+          <p:cNvSpPr>
+            <a:spLocks noGrp="1"/>
+          </p:cNvSpPr>
+          <p:nvPr>
+            <p:ph idx="1"/>
+          </p:nvPr>
+        </p:nvSpPr>
+        <p:spPr/>
         <p:txBody>
           <a:bodyPr/>
           <a:lstStyle/>
           <a:p>
-            <a:pPr algn="ctr"/>
-            <a:r>
-              <a:rPr lang="pl-PL" dirty="0" smtClean="0"/>
-              <a:t>Co dalej?</a:t>
-            </a:r>
-            <a:endParaRPr lang="pl-PL" dirty="0"/>
-          </a:p>
-        </p:txBody>
-      </p:sp>
-    </p:spTree>
-    <p:extLst>
-      <p:ext uri="{BB962C8B-B14F-4D97-AF65-F5344CB8AC3E}">
-        <p14:creationId xmlns:p14="http://schemas.microsoft.com/office/powerpoint/2010/main" val="1256986482"/>
-      </p:ext>
-    </p:extLst>
-  </p:cSld>
-  <p:clrMapOvr>
-    <a:masterClrMapping/>
-  </p:clrMapOvr>
-  <p:timing>
-    <p:tnLst>
-      <p:par>
-        <p:cTn id="1" dur="indefinite" restart="never" nodeType="tmRoot"/>
-      </p:par>
-    </p:tnLst>
-  </p:timing>
-</p:sld>
-</file>
-
-<file path=ppt/slides/slide15.xml><?xml version="1.0" encoding="utf-8"?>
-<p:sld xmlns:a="http://schemas.openxmlformats.org/drawingml/2006/main" xmlns:r="http://schemas.openxmlformats.org/officeDocument/2006/relationships" xmlns:p="http://schemas.openxmlformats.org/presentationml/2006/main">
-  <p:cSld>
-    <p:spTree>
-      <p:nvGrpSpPr>
-        <p:cNvPr id="1" name=""/>
-        <p:cNvGrpSpPr/>
-        <p:nvPr/>
-      </p:nvGrpSpPr>
-      <p:grpSpPr>
-        <a:xfrm>
-          <a:off x="0" y="0"/>
-          <a:ext cx="0" cy="0"/>
-          <a:chOff x="0" y="0"/>
-          <a:chExt cx="0" cy="0"/>
-        </a:xfrm>
-      </p:grpSpPr>
-      <p:sp>
-        <p:nvSpPr>
-          <p:cNvPr id="2" name="Content Placeholder 1"/>
-          <p:cNvSpPr>
-            <a:spLocks noGrp="1"/>
-          </p:cNvSpPr>
-          <p:nvPr>
-            <p:ph idx="1"/>
-          </p:nvPr>
-        </p:nvSpPr>
-        <p:spPr/>
-        <p:txBody>
-          <a:bodyPr/>
-          <a:lstStyle/>
-          <a:p>
             <a:r>
               <a:rPr lang="pl-PL" dirty="0" smtClean="0"/>
               <a:t>Znalezienie i naprawienie </a:t>
             </a:r>
             <a:r>
               <a:rPr lang="pl-PL" dirty="0" smtClean="0"/>
-              <a:t>błędów w dotychczasowym </a:t>
-            </a:r>
-            <a:r>
-              <a:rPr lang="pl-PL" dirty="0" smtClean="0"/>
-              <a:t>kodzie(jeśli są), </a:t>
-            </a:r>
-            <a:r>
-              <a:rPr lang="pl-PL" dirty="0" smtClean="0"/>
-              <a:t>wprowadzenie ewentualnych modyfikacji i </a:t>
-            </a:r>
-            <a:r>
-              <a:rPr lang="pl-PL" dirty="0" smtClean="0"/>
-              <a:t>ulepszeń(może refaktor kodu);</a:t>
+              <a:t>ewentualnych </a:t>
+            </a:r>
+            <a:r>
+              <a:rPr lang="pl-PL" dirty="0" smtClean="0"/>
+              <a:t>błędów </a:t>
+            </a:r>
+            <a:r>
+              <a:rPr lang="pl-PL" dirty="0" smtClean="0"/>
+              <a:t>w dotychczasowym </a:t>
+            </a:r>
+            <a:r>
+              <a:rPr lang="pl-PL" dirty="0" smtClean="0"/>
+              <a:t>kodzie, wprowadzenie </a:t>
+            </a:r>
+            <a:r>
+              <a:rPr lang="pl-PL" dirty="0" smtClean="0"/>
+              <a:t>ewentualnych modyfikacji i </a:t>
+            </a:r>
+            <a:r>
+              <a:rPr lang="pl-PL" dirty="0" smtClean="0"/>
+              <a:t>ulepszeń (</a:t>
+            </a:r>
+            <a:r>
+              <a:rPr lang="pl-PL" dirty="0" err="1" smtClean="0"/>
+              <a:t>refaktoryzacja</a:t>
+            </a:r>
+            <a:r>
+              <a:rPr lang="pl-PL" smtClean="0"/>
+              <a:t> kodu?);</a:t>
             </a:r>
             <a:endParaRPr lang="pl-PL" dirty="0" smtClean="0"/>
           </a:p>
           <a:p>
             <a:r>
               <a:rPr lang="pl-PL" dirty="0" smtClean="0"/>
-              <a:t>Dodanie obsługi opcji </a:t>
-            </a:r>
-            <a:r>
-              <a:rPr lang="pl-PL" dirty="0" smtClean="0"/>
-              <a:t>scheduler;</a:t>
-            </a:r>
-          </a:p>
-          <a:p>
-            <a:r>
-              <a:rPr lang="pl-PL" dirty="0" smtClean="0"/>
-              <a:t>Dodanie nowych obiektów;</a:t>
-            </a:r>
-            <a:endParaRPr lang="pl-PL" dirty="0" smtClean="0"/>
-          </a:p>
-          <a:p>
-            <a:r>
-              <a:rPr lang="pl-PL" dirty="0" smtClean="0"/>
-              <a:t>Wyświetlanie plików wynikowych</a:t>
-            </a:r>
-            <a:r>
-              <a:rPr lang="pl-PL" dirty="0" smtClean="0"/>
-              <a:t>;</a:t>
+              <a:t>Ulepszone wyświetlanie </a:t>
+            </a:r>
+            <a:r>
+              <a:rPr lang="pl-PL" dirty="0" smtClean="0"/>
+              <a:t>plików wynikowych;</a:t>
             </a:r>
           </a:p>
           <a:p>
@@ -5525,16 +5394,15 @@
               <a:rPr lang="pl-PL" dirty="0" smtClean="0"/>
               <a:t>Poprawienie wyglądu;</a:t>
             </a:r>
-            <a:endParaRPr lang="pl-PL" dirty="0" smtClean="0"/>
-          </a:p>
-          <a:p>
-            <a:r>
-              <a:rPr lang="pl-PL" dirty="0" smtClean="0"/>
-              <a:t>Dodanie kolejnych </a:t>
-            </a:r>
-            <a:r>
-              <a:rPr lang="pl-PL" dirty="0" smtClean="0"/>
-              <a:t>testów automatycznych.</a:t>
+          </a:p>
+          <a:p>
+            <a:r>
+              <a:rPr lang="pl-PL" dirty="0" smtClean="0"/>
+              <a:t>Dokończenie testów </a:t>
+            </a:r>
+            <a:r>
+              <a:rPr lang="pl-PL" dirty="0" smtClean="0"/>
+              <a:t>automatycznych.</a:t>
             </a:r>
           </a:p>
           <a:p>
@@ -5585,7 +5453,7 @@
 </p:sld>
 </file>
 
-<file path=ppt/slides/slide16.xml><?xml version="1.0" encoding="utf-8"?>
+<file path=ppt/slides/slide15.xml><?xml version="1.0" encoding="utf-8"?>
 <p:sld xmlns:a="http://schemas.openxmlformats.org/drawingml/2006/main" xmlns:r="http://schemas.openxmlformats.org/officeDocument/2006/relationships" xmlns:p="http://schemas.openxmlformats.org/presentationml/2006/main">
   <p:cSld>
     <p:spTree>
@@ -6012,13 +5880,36 @@
             </a:pPr>
             <a:r>
               <a:rPr lang="pl-PL" dirty="0" smtClean="0"/>
-              <a:t>Wybierz z </a:t>
-            </a:r>
-            <a:r>
-              <a:rPr lang="pl-PL" dirty="0" smtClean="0"/>
-              <a:t>toolbox’a po lewej interesujący cię moduł. Po kliknięciu pojawi się lista dostępnych  nim obiektów.</a:t>
-            </a:r>
-            <a:endParaRPr lang="pl-PL" dirty="0" smtClean="0"/>
+              <a:t>Wybór modułu z </a:t>
+            </a:r>
+            <a:r>
+              <a:rPr lang="pl-PL" dirty="0" err="1" smtClean="0"/>
+              <a:t>toolboxa</a:t>
+            </a:r>
+            <a:r>
+              <a:rPr lang="pl-PL" dirty="0" smtClean="0"/>
+              <a:t> znajdującego się w lewej części okna. </a:t>
+            </a:r>
+            <a:r>
+              <a:rPr lang="pl-PL" dirty="0" smtClean="0"/>
+              <a:t>Po </a:t>
+            </a:r>
+            <a:r>
+              <a:rPr lang="pl-PL" dirty="0" smtClean="0"/>
+              <a:t>kliknięciu w panelu obok </a:t>
+            </a:r>
+            <a:r>
+              <a:rPr lang="pl-PL" dirty="0" smtClean="0"/>
+              <a:t>pojawi się lista dostępnych </a:t>
+            </a:r>
+            <a:r>
+              <a:rPr lang="pl-PL" dirty="0" smtClean="0"/>
+              <a:t>obiektów</a:t>
+            </a:r>
+            <a:r>
+              <a:rPr lang="pl-PL" dirty="0" smtClean="0"/>
+              <a:t>.</a:t>
+            </a:r>
           </a:p>
           <a:p>
             <a:pPr marL="624078" indent="-514350">
@@ -6027,9 +5918,20 @@
             </a:pPr>
             <a:r>
               <a:rPr lang="pl-PL" dirty="0" smtClean="0"/>
-              <a:t>Wybierz obiekt, który chcesz utworzyć.</a:t>
-            </a:r>
-            <a:endParaRPr lang="pl-PL" dirty="0" smtClean="0"/>
+              <a:t>Wybór obiektu, </a:t>
+            </a:r>
+            <a:r>
+              <a:rPr lang="pl-PL" dirty="0" smtClean="0"/>
+              <a:t>który </a:t>
+            </a:r>
+            <a:r>
+              <a:rPr lang="pl-PL" dirty="0" smtClean="0"/>
+              <a:t>chcemy </a:t>
+            </a:r>
+            <a:r>
+              <a:rPr lang="pl-PL" dirty="0" smtClean="0"/>
+              <a:t>utworzyć.</a:t>
+            </a:r>
           </a:p>
           <a:p>
             <a:pPr marL="624078" indent="-514350">
@@ -6038,7 +5940,27 @@
             </a:pPr>
             <a:r>
               <a:rPr lang="pl-PL" dirty="0" smtClean="0"/>
-              <a:t>Obiekt pojawi się na polu, w którym można nim przesuwać.</a:t>
+              <a:t>Obiekt pojawi się </a:t>
+            </a:r>
+            <a:r>
+              <a:rPr lang="pl-PL" dirty="0"/>
+              <a:t>w</a:t>
+            </a:r>
+            <a:r>
+              <a:rPr lang="pl-PL" dirty="0" smtClean="0"/>
+              <a:t> polu w dolnej części okna, gdzie </a:t>
+            </a:r>
+            <a:r>
+              <a:rPr lang="pl-PL" dirty="0" smtClean="0"/>
+              <a:t>można </a:t>
+            </a:r>
+            <a:r>
+              <a:rPr lang="pl-PL" dirty="0" smtClean="0"/>
+              <a:t>go </a:t>
+            </a:r>
+            <a:r>
+              <a:rPr lang="pl-PL" dirty="0" smtClean="0"/>
+              <a:t>przesuwać.</a:t>
             </a:r>
           </a:p>
           <a:p>
@@ -6048,11 +5970,11 @@
             </a:pPr>
             <a:r>
               <a:rPr lang="pl-PL" dirty="0" smtClean="0"/>
-              <a:t>Źle </a:t>
-            </a:r>
-            <a:r>
-              <a:rPr lang="pl-PL" dirty="0" smtClean="0"/>
-              <a:t>wybrany obiekt można usunąć przyciskiem „-”.</a:t>
+              <a:t>Obiekty można </a:t>
+            </a:r>
+            <a:r>
+              <a:rPr lang="pl-PL" dirty="0" smtClean="0"/>
+              <a:t>usunąć przyciskiem „-”.</a:t>
             </a:r>
           </a:p>
           <a:p>
@@ -6274,11 +6196,7 @@
             </a:pPr>
             <a:r>
               <a:rPr lang="pl-PL" dirty="0" smtClean="0"/>
-              <a:t>Klikamy </a:t>
-            </a:r>
-            <a:r>
-              <a:rPr lang="pl-PL" dirty="0" smtClean="0"/>
-              <a:t>obiekt, którego właściwości chcemy zmienić.</a:t>
+              <a:t>Klikamy obiekt, którego właściwości chcemy zmienić.</a:t>
             </a:r>
           </a:p>
           <a:p>
@@ -6300,7 +6218,6 @@
               <a:rPr lang="pl-PL" dirty="0" smtClean="0"/>
               <a:t>Zmiany zapisują się automatycznie przy przejściu od wyświetlania cech jednego obiektu do cech drugiego lub po kolejnym kliknięciu w obiekt.</a:t>
             </a:r>
-            <a:endParaRPr lang="pl-PL" dirty="0" smtClean="0"/>
           </a:p>
           <a:p>
             <a:pPr marL="624078" indent="-514350">
@@ -6478,7 +6395,23 @@
           <a:p>
             <a:r>
               <a:rPr lang="pl-PL" dirty="0" smtClean="0"/>
-              <a:t>Pojawi się okno w którym wybieramy, gdzie  i pod jaką nazwą ma zostać utworzony plik GLM.</a:t>
+              <a:t>Pojawi się </a:t>
+            </a:r>
+            <a:r>
+              <a:rPr lang="pl-PL" dirty="0" smtClean="0"/>
+              <a:t>okno, w </a:t>
+            </a:r>
+            <a:r>
+              <a:rPr lang="pl-PL" dirty="0" smtClean="0"/>
+              <a:t>którym </a:t>
+            </a:r>
+            <a:r>
+              <a:rPr lang="pl-PL" dirty="0" smtClean="0"/>
+              <a:t>wybieramy </a:t>
+            </a:r>
+            <a:r>
+              <a:rPr lang="pl-PL" dirty="0" smtClean="0"/>
+              <a:t>gdzie  i pod jaką nazwą ma zostać utworzony plik GLM.</a:t>
             </a:r>
             <a:endParaRPr lang="pl-PL" dirty="0"/>
           </a:p>
